--- a/Documents/11-SkinnedSkeletalMesh.pptx
+++ b/Documents/11-SkinnedSkeletalMesh.pptx
@@ -5,7 +5,7 @@
     <p:sldMasterId id="2147483648" r:id="rId1"/>
   </p:sldMasterIdLst>
   <p:notesMasterIdLst>
-    <p:notesMasterId r:id="rId12"/>
+    <p:notesMasterId r:id="rId15"/>
   </p:notesMasterIdLst>
   <p:sldIdLst>
     <p:sldId id="256" r:id="rId2"/>
@@ -18,6 +18,9 @@
     <p:sldId id="276" r:id="rId9"/>
     <p:sldId id="273" r:id="rId10"/>
     <p:sldId id="275" r:id="rId11"/>
+    <p:sldId id="282" r:id="rId12"/>
+    <p:sldId id="283" r:id="rId13"/>
+    <p:sldId id="284" r:id="rId14"/>
   </p:sldIdLst>
   <p:sldSz cx="12192000" cy="6858000"/>
   <p:notesSz cx="6858000" cy="9144000"/>
@@ -374,7 +377,7 @@
           <a:p>
             <a:fld id="{87BE21D1-FB6C-45D2-B3F9-92D6DF61F5DB}" type="datetimeFigureOut">
               <a:rPr lang="ko-KR" altLang="en-US" smtClean="0"/>
-              <a:t>2025-10-26</a:t>
+              <a:t>2025-10-28</a:t>
             </a:fld>
             <a:endParaRPr lang="ko-KR" altLang="en-US"/>
           </a:p>
@@ -956,7 +959,7 @@
           <a:p>
             <a:fld id="{1EEF8F7F-8666-4814-9722-5C9DAC821B19}" type="datetimeFigureOut">
               <a:rPr lang="ko-KR" altLang="en-US" smtClean="0"/>
-              <a:t>2025-10-26</a:t>
+              <a:t>2025-10-28</a:t>
             </a:fld>
             <a:endParaRPr lang="ko-KR" altLang="en-US"/>
           </a:p>
@@ -1154,7 +1157,7 @@
           <a:p>
             <a:fld id="{1EEF8F7F-8666-4814-9722-5C9DAC821B19}" type="datetimeFigureOut">
               <a:rPr lang="ko-KR" altLang="en-US" smtClean="0"/>
-              <a:t>2025-10-26</a:t>
+              <a:t>2025-10-28</a:t>
             </a:fld>
             <a:endParaRPr lang="ko-KR" altLang="en-US"/>
           </a:p>
@@ -1362,7 +1365,7 @@
           <a:p>
             <a:fld id="{1EEF8F7F-8666-4814-9722-5C9DAC821B19}" type="datetimeFigureOut">
               <a:rPr lang="ko-KR" altLang="en-US" smtClean="0"/>
-              <a:t>2025-10-26</a:t>
+              <a:t>2025-10-28</a:t>
             </a:fld>
             <a:endParaRPr lang="ko-KR" altLang="en-US"/>
           </a:p>
@@ -1560,7 +1563,7 @@
           <a:p>
             <a:fld id="{1EEF8F7F-8666-4814-9722-5C9DAC821B19}" type="datetimeFigureOut">
               <a:rPr lang="ko-KR" altLang="en-US" smtClean="0"/>
-              <a:t>2025-10-26</a:t>
+              <a:t>2025-10-28</a:t>
             </a:fld>
             <a:endParaRPr lang="ko-KR" altLang="en-US"/>
           </a:p>
@@ -1835,7 +1838,7 @@
           <a:p>
             <a:fld id="{1EEF8F7F-8666-4814-9722-5C9DAC821B19}" type="datetimeFigureOut">
               <a:rPr lang="ko-KR" altLang="en-US" smtClean="0"/>
-              <a:t>2025-10-26</a:t>
+              <a:t>2025-10-28</a:t>
             </a:fld>
             <a:endParaRPr lang="ko-KR" altLang="en-US"/>
           </a:p>
@@ -2100,7 +2103,7 @@
           <a:p>
             <a:fld id="{1EEF8F7F-8666-4814-9722-5C9DAC821B19}" type="datetimeFigureOut">
               <a:rPr lang="ko-KR" altLang="en-US" smtClean="0"/>
-              <a:t>2025-10-26</a:t>
+              <a:t>2025-10-28</a:t>
             </a:fld>
             <a:endParaRPr lang="ko-KR" altLang="en-US"/>
           </a:p>
@@ -2512,7 +2515,7 @@
           <a:p>
             <a:fld id="{1EEF8F7F-8666-4814-9722-5C9DAC821B19}" type="datetimeFigureOut">
               <a:rPr lang="ko-KR" altLang="en-US" smtClean="0"/>
-              <a:t>2025-10-26</a:t>
+              <a:t>2025-10-28</a:t>
             </a:fld>
             <a:endParaRPr lang="ko-KR" altLang="en-US"/>
           </a:p>
@@ -2653,7 +2656,7 @@
           <a:p>
             <a:fld id="{1EEF8F7F-8666-4814-9722-5C9DAC821B19}" type="datetimeFigureOut">
               <a:rPr lang="ko-KR" altLang="en-US" smtClean="0"/>
-              <a:t>2025-10-26</a:t>
+              <a:t>2025-10-28</a:t>
             </a:fld>
             <a:endParaRPr lang="ko-KR" altLang="en-US"/>
           </a:p>
@@ -2766,7 +2769,7 @@
           <a:p>
             <a:fld id="{1EEF8F7F-8666-4814-9722-5C9DAC821B19}" type="datetimeFigureOut">
               <a:rPr lang="ko-KR" altLang="en-US" smtClean="0"/>
-              <a:t>2025-10-26</a:t>
+              <a:t>2025-10-28</a:t>
             </a:fld>
             <a:endParaRPr lang="ko-KR" altLang="en-US"/>
           </a:p>
@@ -3077,7 +3080,7 @@
           <a:p>
             <a:fld id="{1EEF8F7F-8666-4814-9722-5C9DAC821B19}" type="datetimeFigureOut">
               <a:rPr lang="ko-KR" altLang="en-US" smtClean="0"/>
-              <a:t>2025-10-26</a:t>
+              <a:t>2025-10-28</a:t>
             </a:fld>
             <a:endParaRPr lang="ko-KR" altLang="en-US"/>
           </a:p>
@@ -3365,7 +3368,7 @@
           <a:p>
             <a:fld id="{1EEF8F7F-8666-4814-9722-5C9DAC821B19}" type="datetimeFigureOut">
               <a:rPr lang="ko-KR" altLang="en-US" smtClean="0"/>
-              <a:t>2025-10-26</a:t>
+              <a:t>2025-10-28</a:t>
             </a:fld>
             <a:endParaRPr lang="ko-KR" altLang="en-US"/>
           </a:p>
@@ -3606,7 +3609,7 @@
           <a:p>
             <a:fld id="{1EEF8F7F-8666-4814-9722-5C9DAC821B19}" type="datetimeFigureOut">
               <a:rPr lang="ko-KR" altLang="en-US" smtClean="0"/>
-              <a:t>2025-10-26</a:t>
+              <a:t>2025-10-28</a:t>
             </a:fld>
             <a:endParaRPr lang="ko-KR" altLang="en-US"/>
           </a:p>
@@ -4240,6 +4243,1262 @@
     <p:extLst>
       <p:ext uri="{BB962C8B-B14F-4D97-AF65-F5344CB8AC3E}">
         <p14:creationId xmlns:p14="http://schemas.microsoft.com/office/powerpoint/2010/main" val="432715998"/>
+      </p:ext>
+    </p:extLst>
+  </p:cSld>
+  <p:clrMapOvr>
+    <a:masterClrMapping/>
+  </p:clrMapOvr>
+</p:sld>
+</file>
+
+<file path=ppt/slides/slide11.xml><?xml version="1.0" encoding="utf-8"?>
+<p:sld xmlns:a="http://schemas.openxmlformats.org/drawingml/2006/main" xmlns:r="http://schemas.openxmlformats.org/officeDocument/2006/relationships" xmlns:p="http://schemas.openxmlformats.org/presentationml/2006/main">
+  <p:cSld>
+    <p:spTree>
+      <p:nvGrpSpPr>
+        <p:cNvPr id="1" name=""/>
+        <p:cNvGrpSpPr/>
+        <p:nvPr/>
+      </p:nvGrpSpPr>
+      <p:grpSpPr>
+        <a:xfrm>
+          <a:off x="0" y="0"/>
+          <a:ext cx="0" cy="0"/>
+          <a:chOff x="0" y="0"/>
+          <a:chExt cx="0" cy="0"/>
+        </a:xfrm>
+      </p:grpSpPr>
+      <p:sp>
+        <p:nvSpPr>
+          <p:cNvPr id="2" name="제목 1">
+            <a:extLst>
+              <a:ext uri="{FF2B5EF4-FFF2-40B4-BE49-F238E27FC236}">
+                <a16:creationId xmlns:a16="http://schemas.microsoft.com/office/drawing/2014/main" id="{DFB56C6A-F1A2-AE62-7E41-8D1A9D42A6A8}"/>
+              </a:ext>
+            </a:extLst>
+          </p:cNvPr>
+          <p:cNvSpPr>
+            <a:spLocks noGrp="1"/>
+          </p:cNvSpPr>
+          <p:nvPr>
+            <p:ph type="title"/>
+          </p:nvPr>
+        </p:nvSpPr>
+        <p:spPr/>
+        <p:txBody>
+          <a:bodyPr/>
+          <a:lstStyle/>
+          <a:p>
+            <a:r>
+              <a:rPr lang="en-US" altLang="ko-KR" dirty="0"/>
+              <a:t>Buffer/</a:t>
+            </a:r>
+            <a:r>
+              <a:rPr lang="en-US" altLang="ko-KR" dirty="0" err="1"/>
+              <a:t>StructuredBuffer</a:t>
+            </a:r>
+            <a:endParaRPr lang="ko-KR" altLang="en-US" dirty="0"/>
+          </a:p>
+        </p:txBody>
+      </p:sp>
+      <p:sp>
+        <p:nvSpPr>
+          <p:cNvPr id="4" name="TextBox 3">
+            <a:extLst>
+              <a:ext uri="{FF2B5EF4-FFF2-40B4-BE49-F238E27FC236}">
+                <a16:creationId xmlns:a16="http://schemas.microsoft.com/office/drawing/2014/main" id="{6D0388E7-E529-19C5-A673-D8ED8C76A9BD}"/>
+              </a:ext>
+            </a:extLst>
+          </p:cNvPr>
+          <p:cNvSpPr txBox="1"/>
+          <p:nvPr/>
+        </p:nvSpPr>
+        <p:spPr>
+          <a:xfrm>
+            <a:off x="391886" y="1690688"/>
+            <a:ext cx="11139715" cy="3139321"/>
+          </a:xfrm>
+          <a:prstGeom prst="rect">
+            <a:avLst/>
+          </a:prstGeom>
+          <a:noFill/>
+        </p:spPr>
+        <p:txBody>
+          <a:bodyPr wrap="square">
+            <a:spAutoFit/>
+          </a:bodyPr>
+          <a:lstStyle/>
+          <a:p>
+            <a:pPr>
+              <a:buNone/>
+            </a:pPr>
+            <a:r>
+              <a:rPr lang="en-US" altLang="ko-KR" dirty="0">
+                <a:effectLst/>
+              </a:rPr>
+              <a:t> Direct3D 11</a:t>
+            </a:r>
+            <a:r>
+              <a:rPr lang="ko-KR" altLang="en-US" dirty="0">
+                <a:effectLst/>
+              </a:rPr>
+              <a:t>에서 </a:t>
+            </a:r>
+            <a:r>
+              <a:rPr lang="en-US" altLang="ko-KR" dirty="0">
+                <a:effectLst/>
+              </a:rPr>
+              <a:t>ID3D11Buffer</a:t>
+            </a:r>
+            <a:r>
+              <a:rPr lang="ko-KR" altLang="en-US" dirty="0">
+                <a:effectLst/>
+              </a:rPr>
+              <a:t>는 다양한 용도로 사용되는 </a:t>
+            </a:r>
+            <a:r>
+              <a:rPr lang="en-US" altLang="ko-KR" dirty="0">
+                <a:effectLst/>
+              </a:rPr>
+              <a:t>GPU </a:t>
+            </a:r>
+            <a:r>
+              <a:rPr lang="ko-KR" altLang="en-US" dirty="0">
+                <a:effectLst/>
+              </a:rPr>
+              <a:t>메모리의 데이터 블록</a:t>
+            </a:r>
+            <a:r>
+              <a:rPr lang="ko-KR" altLang="en-US" dirty="0"/>
+              <a:t>이</a:t>
+            </a:r>
+            <a:r>
+              <a:rPr lang="ko-KR" altLang="en-US" dirty="0">
+                <a:effectLst/>
+              </a:rPr>
+              <a:t>다</a:t>
+            </a:r>
+            <a:r>
+              <a:rPr lang="en-US" altLang="ko-KR" dirty="0">
+                <a:effectLst/>
+              </a:rPr>
+              <a:t>. </a:t>
+            </a:r>
+          </a:p>
+          <a:p>
+            <a:pPr>
+              <a:buNone/>
+            </a:pPr>
+            <a:r>
+              <a:rPr lang="ko-KR" altLang="en-US" dirty="0">
+                <a:effectLst/>
+              </a:rPr>
+              <a:t>주요 용도와 버퍼의 종류는 다음과 같다</a:t>
+            </a:r>
+            <a:r>
+              <a:rPr lang="en-US" altLang="ko-KR" dirty="0">
+                <a:effectLst/>
+              </a:rPr>
+              <a:t>:</a:t>
+            </a:r>
+          </a:p>
+          <a:p>
+            <a:pPr>
+              <a:buNone/>
+            </a:pPr>
+            <a:endParaRPr lang="en-US" altLang="ko-KR" dirty="0">
+              <a:effectLst/>
+            </a:endParaRPr>
+          </a:p>
+          <a:p>
+            <a:r>
+              <a:rPr lang="ko-KR" altLang="en-US" dirty="0"/>
+              <a:t>정점 버퍼</a:t>
+            </a:r>
+            <a:r>
+              <a:rPr lang="en-US" altLang="ko-KR" dirty="0"/>
+              <a:t>(Vertex Buffer): </a:t>
+            </a:r>
+            <a:r>
+              <a:rPr lang="ko-KR" altLang="en-US" dirty="0"/>
+              <a:t>정점 데이터</a:t>
+            </a:r>
+            <a:r>
+              <a:rPr lang="en-US" altLang="ko-KR" dirty="0"/>
+              <a:t>(</a:t>
+            </a:r>
+            <a:r>
+              <a:rPr lang="ko-KR" altLang="en-US" dirty="0"/>
+              <a:t>위치</a:t>
+            </a:r>
+            <a:r>
+              <a:rPr lang="en-US" altLang="ko-KR" dirty="0"/>
+              <a:t>, </a:t>
+            </a:r>
+            <a:r>
+              <a:rPr lang="ko-KR" altLang="en-US" dirty="0"/>
+              <a:t>법선</a:t>
+            </a:r>
+            <a:r>
+              <a:rPr lang="en-US" altLang="ko-KR" dirty="0"/>
+              <a:t>, </a:t>
+            </a:r>
+            <a:r>
+              <a:rPr lang="ko-KR" altLang="en-US" dirty="0"/>
+              <a:t>텍스처 좌표 등</a:t>
+            </a:r>
+            <a:r>
+              <a:rPr lang="en-US" altLang="ko-KR" dirty="0"/>
+              <a:t>) </a:t>
+            </a:r>
+            <a:r>
+              <a:rPr lang="ko-KR" altLang="en-US" dirty="0"/>
+              <a:t>저장</a:t>
+            </a:r>
+            <a:r>
+              <a:rPr lang="en-US" altLang="ko-KR" dirty="0"/>
+              <a:t>.</a:t>
+            </a:r>
+          </a:p>
+          <a:p>
+            <a:r>
+              <a:rPr lang="ko-KR" altLang="en-US" dirty="0"/>
+              <a:t>인덱스 버퍼</a:t>
+            </a:r>
+            <a:r>
+              <a:rPr lang="en-US" altLang="ko-KR" dirty="0"/>
+              <a:t>(Index Buffer): </a:t>
+            </a:r>
+            <a:r>
+              <a:rPr lang="ko-KR" altLang="en-US" dirty="0"/>
+              <a:t>정점 인덱스 저장</a:t>
+            </a:r>
+            <a:r>
+              <a:rPr lang="en-US" altLang="ko-KR" dirty="0"/>
+              <a:t>.</a:t>
+            </a:r>
+          </a:p>
+          <a:p>
+            <a:r>
+              <a:rPr lang="ko-KR" altLang="en-US" dirty="0"/>
+              <a:t>상수 버퍼</a:t>
+            </a:r>
+            <a:r>
+              <a:rPr lang="en-US" altLang="ko-KR" dirty="0"/>
+              <a:t>(Constant Buffer): </a:t>
+            </a:r>
+            <a:r>
+              <a:rPr lang="ko-KR" altLang="en-US" dirty="0" err="1"/>
+              <a:t>셰이더에서</a:t>
+            </a:r>
+            <a:r>
+              <a:rPr lang="ko-KR" altLang="en-US" dirty="0"/>
+              <a:t> 사용하는 상수 데이터</a:t>
+            </a:r>
+            <a:r>
+              <a:rPr lang="en-US" altLang="ko-KR" dirty="0"/>
+              <a:t>(</a:t>
+            </a:r>
+            <a:r>
+              <a:rPr lang="ko-KR" altLang="en-US" dirty="0"/>
+              <a:t>예</a:t>
+            </a:r>
+            <a:r>
+              <a:rPr lang="en-US" altLang="ko-KR" dirty="0"/>
+              <a:t>: </a:t>
+            </a:r>
+            <a:r>
+              <a:rPr lang="ko-KR" altLang="en-US" dirty="0"/>
+              <a:t>행렬</a:t>
+            </a:r>
+            <a:r>
+              <a:rPr lang="en-US" altLang="ko-KR" dirty="0"/>
+              <a:t>, </a:t>
+            </a:r>
+            <a:r>
+              <a:rPr lang="ko-KR" altLang="en-US" dirty="0"/>
+              <a:t>조명 파라미터</a:t>
+            </a:r>
+            <a:r>
+              <a:rPr lang="en-US" altLang="ko-KR" dirty="0"/>
+              <a:t>) </a:t>
+            </a:r>
+            <a:r>
+              <a:rPr lang="ko-KR" altLang="en-US" dirty="0"/>
+              <a:t>저장</a:t>
+            </a:r>
+            <a:endParaRPr lang="en-US" altLang="ko-KR" dirty="0"/>
+          </a:p>
+          <a:p>
+            <a:endParaRPr lang="en-US" altLang="ko-KR" dirty="0"/>
+          </a:p>
+          <a:p>
+            <a:r>
+              <a:rPr lang="ko-KR" altLang="en-US" b="1" dirty="0"/>
+              <a:t>표준 버퍼</a:t>
+            </a:r>
+            <a:r>
+              <a:rPr lang="en-US" altLang="ko-KR" b="1" dirty="0"/>
+              <a:t>(Non Structured Buffer)</a:t>
+            </a:r>
+            <a:r>
+              <a:rPr lang="en-US" altLang="ko-KR" dirty="0"/>
+              <a:t>: HLSL</a:t>
+            </a:r>
+            <a:r>
+              <a:rPr lang="ko-KR" altLang="en-US" dirty="0"/>
+              <a:t>에서 기본 타입으로 접근 가능한 배열 버퍼</a:t>
+            </a:r>
+            <a:endParaRPr lang="en-US" altLang="ko-KR" dirty="0"/>
+          </a:p>
+          <a:p>
+            <a:r>
+              <a:rPr lang="ko-KR" altLang="en-US" b="1" dirty="0"/>
+              <a:t>구조화된 버퍼</a:t>
+            </a:r>
+            <a:r>
+              <a:rPr lang="en-US" altLang="ko-KR" b="1" dirty="0"/>
+              <a:t>(Structured Buffer)</a:t>
+            </a:r>
+            <a:r>
+              <a:rPr lang="en-US" altLang="ko-KR" dirty="0"/>
+              <a:t>: HLSL</a:t>
+            </a:r>
+            <a:r>
+              <a:rPr lang="ko-KR" altLang="en-US" dirty="0"/>
+              <a:t>에서 사용자 정의 구조체로 접근 가능한 배열 버퍼</a:t>
+            </a:r>
+            <a:endParaRPr lang="en-US" altLang="ko-KR" dirty="0"/>
+          </a:p>
+          <a:p>
+            <a:endParaRPr lang="en-US" altLang="ko-KR" dirty="0"/>
+          </a:p>
+          <a:p>
+            <a:r>
+              <a:rPr lang="en-US" altLang="ko-KR" dirty="0"/>
+              <a:t>RAW </a:t>
+            </a:r>
+            <a:r>
+              <a:rPr lang="ko-KR" altLang="en-US" dirty="0"/>
+              <a:t>버퍼</a:t>
+            </a:r>
+            <a:r>
+              <a:rPr lang="en-US" altLang="ko-KR" dirty="0"/>
+              <a:t>(</a:t>
+            </a:r>
+            <a:r>
+              <a:rPr lang="en-US" altLang="ko-KR" dirty="0" err="1"/>
+              <a:t>ByteAddressBuffer</a:t>
+            </a:r>
+            <a:r>
+              <a:rPr lang="en-US" altLang="ko-KR" dirty="0"/>
+              <a:t>): </a:t>
+            </a:r>
+            <a:r>
+              <a:rPr lang="ko-KR" altLang="en-US" dirty="0"/>
+              <a:t>바이트 단위로 접근 가능한 버퍼</a:t>
+            </a:r>
+            <a:r>
+              <a:rPr lang="en-US" altLang="ko-KR" dirty="0"/>
+              <a:t>.</a:t>
+            </a:r>
+          </a:p>
+        </p:txBody>
+      </p:sp>
+    </p:spTree>
+    <p:extLst>
+      <p:ext uri="{BB962C8B-B14F-4D97-AF65-F5344CB8AC3E}">
+        <p14:creationId xmlns:p14="http://schemas.microsoft.com/office/powerpoint/2010/main" val="1594839120"/>
+      </p:ext>
+    </p:extLst>
+  </p:cSld>
+  <p:clrMapOvr>
+    <a:masterClrMapping/>
+  </p:clrMapOvr>
+</p:sld>
+</file>
+
+<file path=ppt/slides/slide12.xml><?xml version="1.0" encoding="utf-8"?>
+<p:sld xmlns:a="http://schemas.openxmlformats.org/drawingml/2006/main" xmlns:r="http://schemas.openxmlformats.org/officeDocument/2006/relationships" xmlns:p="http://schemas.openxmlformats.org/presentationml/2006/main">
+  <p:cSld>
+    <p:spTree>
+      <p:nvGrpSpPr>
+        <p:cNvPr id="1" name=""/>
+        <p:cNvGrpSpPr/>
+        <p:nvPr/>
+      </p:nvGrpSpPr>
+      <p:grpSpPr>
+        <a:xfrm>
+          <a:off x="0" y="0"/>
+          <a:ext cx="0" cy="0"/>
+          <a:chOff x="0" y="0"/>
+          <a:chExt cx="0" cy="0"/>
+        </a:xfrm>
+      </p:grpSpPr>
+      <p:sp>
+        <p:nvSpPr>
+          <p:cNvPr id="2" name="제목 1">
+            <a:extLst>
+              <a:ext uri="{FF2B5EF4-FFF2-40B4-BE49-F238E27FC236}">
+                <a16:creationId xmlns:a16="http://schemas.microsoft.com/office/drawing/2014/main" id="{EB76A13D-F0E3-C5EA-4269-F34CD9A55BA2}"/>
+              </a:ext>
+            </a:extLst>
+          </p:cNvPr>
+          <p:cNvSpPr>
+            <a:spLocks noGrp="1"/>
+          </p:cNvSpPr>
+          <p:nvPr>
+            <p:ph type="title"/>
+          </p:nvPr>
+        </p:nvSpPr>
+        <p:spPr/>
+        <p:txBody>
+          <a:bodyPr/>
+          <a:lstStyle/>
+          <a:p>
+            <a:r>
+              <a:rPr lang="ko-KR" altLang="en-US" dirty="0"/>
+              <a:t>버퍼의 용도</a:t>
+            </a:r>
+            <a:r>
+              <a:rPr lang="en-US" altLang="ko-KR" dirty="0"/>
+              <a:t>(</a:t>
+            </a:r>
+            <a:r>
+              <a:rPr lang="en-US" altLang="ko-KR" i="1" dirty="0"/>
+              <a:t>Usage)</a:t>
+            </a:r>
+            <a:endParaRPr lang="ko-KR" altLang="en-US" dirty="0"/>
+          </a:p>
+        </p:txBody>
+      </p:sp>
+      <p:sp>
+        <p:nvSpPr>
+          <p:cNvPr id="4" name="TextBox 3">
+            <a:extLst>
+              <a:ext uri="{FF2B5EF4-FFF2-40B4-BE49-F238E27FC236}">
+                <a16:creationId xmlns:a16="http://schemas.microsoft.com/office/drawing/2014/main" id="{56A2E606-7AF9-9152-89FE-A51BDCEB66D7}"/>
+              </a:ext>
+            </a:extLst>
+          </p:cNvPr>
+          <p:cNvSpPr txBox="1"/>
+          <p:nvPr/>
+        </p:nvSpPr>
+        <p:spPr>
+          <a:xfrm>
+            <a:off x="352148" y="1454007"/>
+            <a:ext cx="10573658" cy="923330"/>
+          </a:xfrm>
+          <a:prstGeom prst="rect">
+            <a:avLst/>
+          </a:prstGeom>
+          <a:noFill/>
+        </p:spPr>
+        <p:txBody>
+          <a:bodyPr wrap="square" rtlCol="0">
+            <a:spAutoFit/>
+          </a:bodyPr>
+          <a:lstStyle/>
+          <a:p>
+            <a:r>
+              <a:rPr lang="ko-KR" altLang="en-US" dirty="0"/>
+              <a:t>버퍼의 용도 설정은 사용 패턴과 메모리 관리 정책을 의미한다</a:t>
+            </a:r>
+            <a:r>
+              <a:rPr lang="en-US" altLang="ko-KR" dirty="0"/>
+              <a:t>. </a:t>
+            </a:r>
+            <a:r>
+              <a:rPr lang="ko-KR" altLang="en-US" dirty="0"/>
+              <a:t>이 설정에 따라 내부 드라이버는 버퍼의 데이터를 이동</a:t>
+            </a:r>
+            <a:r>
+              <a:rPr lang="en-US" altLang="ko-KR" dirty="0"/>
+              <a:t>(System RAM &lt;-&gt; Video RAM)</a:t>
+            </a:r>
+            <a:r>
+              <a:rPr lang="ko-KR" altLang="en-US" dirty="0"/>
+              <a:t>시키거나 특정 위치에 유지한다</a:t>
+            </a:r>
+            <a:r>
+              <a:rPr lang="en-US" altLang="ko-KR" dirty="0"/>
+              <a:t>.</a:t>
+            </a:r>
+            <a:r>
+              <a:rPr lang="ko-KR" altLang="en-US" dirty="0"/>
+              <a:t> </a:t>
+            </a:r>
+            <a:endParaRPr lang="en-US" altLang="ko-KR" dirty="0"/>
+          </a:p>
+          <a:p>
+            <a:r>
+              <a:rPr lang="ko-KR" altLang="en-US" dirty="0"/>
+              <a:t>용도에 </a:t>
+            </a:r>
+            <a:r>
+              <a:rPr lang="en-US" altLang="ko-KR" dirty="0" err="1"/>
+              <a:t>CPUAccessFlag</a:t>
+            </a:r>
+            <a:r>
+              <a:rPr lang="ko-KR" altLang="en-US" dirty="0"/>
+              <a:t>를 설정하여 한번 더 드라이버의 동작이 최적화된다</a:t>
+            </a:r>
+            <a:r>
+              <a:rPr lang="en-US" altLang="ko-KR" dirty="0"/>
+              <a:t>.</a:t>
+            </a:r>
+            <a:endParaRPr lang="ko-KR" altLang="en-US" dirty="0"/>
+          </a:p>
+        </p:txBody>
+      </p:sp>
+      <p:sp>
+        <p:nvSpPr>
+          <p:cNvPr id="8" name="TextBox 7">
+            <a:extLst>
+              <a:ext uri="{FF2B5EF4-FFF2-40B4-BE49-F238E27FC236}">
+                <a16:creationId xmlns:a16="http://schemas.microsoft.com/office/drawing/2014/main" id="{8AA9A06F-EBD5-1454-53BC-4F3FFBF22F1B}"/>
+              </a:ext>
+            </a:extLst>
+          </p:cNvPr>
+          <p:cNvSpPr txBox="1"/>
+          <p:nvPr/>
+        </p:nvSpPr>
+        <p:spPr>
+          <a:xfrm>
+            <a:off x="268915" y="4008741"/>
+            <a:ext cx="11654170" cy="2585323"/>
+          </a:xfrm>
+          <a:prstGeom prst="rect">
+            <a:avLst/>
+          </a:prstGeom>
+          <a:noFill/>
+        </p:spPr>
+        <p:txBody>
+          <a:bodyPr wrap="square">
+            <a:spAutoFit/>
+          </a:bodyPr>
+          <a:lstStyle/>
+          <a:p>
+            <a:r>
+              <a:rPr lang="en-US" altLang="ko-KR" sz="1600" b="1" dirty="0">
+                <a:highlight>
+                  <a:srgbClr val="FFFFFF"/>
+                </a:highlight>
+                <a:latin typeface="+mn-ea"/>
+              </a:rPr>
+              <a:t>D3D11_USAGE_IMMUTABLE:   </a:t>
+            </a:r>
+            <a:r>
+              <a:rPr lang="ko-KR" altLang="en-US" sz="1600" b="1" dirty="0">
+                <a:highlight>
+                  <a:srgbClr val="FFFFFF"/>
+                </a:highlight>
+                <a:latin typeface="+mn-ea"/>
+              </a:rPr>
+              <a:t>불변 하며 </a:t>
+            </a:r>
+            <a:r>
+              <a:rPr lang="en-US" altLang="ko-KR" sz="1600" b="1" dirty="0">
+                <a:highlight>
+                  <a:srgbClr val="FFFFFF"/>
+                </a:highlight>
+                <a:latin typeface="+mn-ea"/>
+              </a:rPr>
+              <a:t>GPU</a:t>
+            </a:r>
+            <a:r>
+              <a:rPr lang="ko-KR" altLang="en-US" sz="1600" b="1" dirty="0">
+                <a:highlight>
+                  <a:srgbClr val="FFFFFF"/>
+                </a:highlight>
+                <a:latin typeface="+mn-ea"/>
+              </a:rPr>
+              <a:t>만 읽기 가능한 용도 이므로 가능한 </a:t>
+            </a:r>
+            <a:r>
+              <a:rPr lang="en-US" altLang="ko-KR" sz="1600" b="1" dirty="0">
+                <a:highlight>
+                  <a:srgbClr val="FFFFFF"/>
+                </a:highlight>
+                <a:latin typeface="+mn-ea"/>
+              </a:rPr>
+              <a:t>Video RAM</a:t>
+            </a:r>
+            <a:r>
+              <a:rPr lang="ko-KR" altLang="en-US" sz="1600" b="1" dirty="0">
+                <a:highlight>
+                  <a:srgbClr val="FFFFFF"/>
+                </a:highlight>
+                <a:latin typeface="+mn-ea"/>
+              </a:rPr>
+              <a:t>에 유지한다</a:t>
+            </a:r>
+            <a:r>
+              <a:rPr lang="en-US" altLang="ko-KR" sz="1600" b="1" dirty="0">
+                <a:highlight>
+                  <a:srgbClr val="FFFFFF"/>
+                </a:highlight>
+                <a:latin typeface="+mn-ea"/>
+              </a:rPr>
+              <a:t>.</a:t>
+            </a:r>
+          </a:p>
+          <a:p>
+            <a:endParaRPr lang="en-US" altLang="ko-KR" sz="1600" dirty="0"/>
+          </a:p>
+          <a:p>
+            <a:r>
+              <a:rPr lang="en-US" altLang="ko-KR" sz="1600" dirty="0"/>
+              <a:t>D3D11_USAGE_DEFAULT:  GPU</a:t>
+            </a:r>
+            <a:r>
+              <a:rPr lang="ko-KR" altLang="en-US" sz="1600" dirty="0"/>
+              <a:t>만 읽기</a:t>
+            </a:r>
+            <a:r>
+              <a:rPr lang="en-US" altLang="ko-KR" sz="1600" dirty="0"/>
+              <a:t>,</a:t>
+            </a:r>
+            <a:r>
+              <a:rPr lang="ko-KR" altLang="en-US" sz="1600" dirty="0"/>
+              <a:t>쓰기</a:t>
+            </a:r>
+            <a:r>
+              <a:rPr lang="en-US" altLang="ko-KR" sz="1600" dirty="0"/>
+              <a:t>. CPU</a:t>
+            </a:r>
+            <a:r>
+              <a:rPr lang="ko-KR" altLang="en-US" sz="1600" dirty="0"/>
+              <a:t>가 직접 메모리접근이 불가이므로 가능한 </a:t>
+            </a:r>
+            <a:r>
+              <a:rPr lang="en-US" altLang="ko-KR" sz="1600" dirty="0"/>
+              <a:t>Video</a:t>
+            </a:r>
+            <a:r>
+              <a:rPr lang="ko-KR" altLang="en-US" sz="1600" dirty="0"/>
+              <a:t> </a:t>
+            </a:r>
+            <a:r>
+              <a:rPr lang="en-US" altLang="ko-KR" sz="1600" dirty="0"/>
+              <a:t>RAM </a:t>
+            </a:r>
+            <a:r>
+              <a:rPr lang="ko-KR" altLang="en-US" sz="1600" dirty="0"/>
+              <a:t>유지</a:t>
+            </a:r>
+            <a:endParaRPr lang="en-US" altLang="ko-KR" sz="1600" dirty="0"/>
+          </a:p>
+          <a:p>
+            <a:r>
+              <a:rPr lang="ko-KR" altLang="en-US" sz="1600" dirty="0"/>
+              <a:t>간접명령</a:t>
+            </a:r>
+            <a:r>
+              <a:rPr lang="en-US" altLang="ko-KR" sz="1600" dirty="0"/>
+              <a:t>(ID3D11DeviceContext::</a:t>
+            </a:r>
+            <a:r>
+              <a:rPr lang="en-US" altLang="ko-KR" sz="1600" dirty="0" err="1"/>
+              <a:t>UpdateSubresource</a:t>
+            </a:r>
+            <a:r>
+              <a:rPr lang="en-US" altLang="ko-KR" sz="1600" dirty="0"/>
+              <a:t>)</a:t>
+            </a:r>
+            <a:r>
+              <a:rPr lang="ko-KR" altLang="en-US" sz="1600" dirty="0"/>
+              <a:t>으로 드라이버가 </a:t>
+            </a:r>
+            <a:r>
+              <a:rPr lang="en-US" altLang="ko-KR" sz="1600" dirty="0" err="1"/>
+              <a:t>SystemRAM</a:t>
+            </a:r>
+            <a:r>
+              <a:rPr lang="en-US" altLang="ko-KR" sz="1600" dirty="0"/>
+              <a:t> </a:t>
+            </a:r>
+            <a:r>
+              <a:rPr lang="ko-KR" altLang="en-US" sz="1600" dirty="0"/>
+              <a:t>데이터를 복사하게 할 수 있음</a:t>
+            </a:r>
+            <a:r>
+              <a:rPr lang="en-US" altLang="ko-KR" sz="1600" dirty="0"/>
+              <a:t>.</a:t>
+            </a:r>
+          </a:p>
+          <a:p>
+            <a:endParaRPr lang="en-US" altLang="ko-KR" sz="1600" dirty="0"/>
+          </a:p>
+          <a:p>
+            <a:r>
+              <a:rPr lang="en-US" altLang="ko-KR" sz="1600" dirty="0"/>
+              <a:t>D3D11_USAGE_DYNAMIC: CPU</a:t>
+            </a:r>
+            <a:r>
+              <a:rPr lang="ko-KR" altLang="en-US" sz="1600" dirty="0"/>
+              <a:t>가 자주 갱신</a:t>
+            </a:r>
+            <a:r>
+              <a:rPr lang="en-US" altLang="ko-KR" sz="1600" dirty="0"/>
+              <a:t>(Update)</a:t>
+            </a:r>
+            <a:r>
+              <a:rPr lang="ko-KR" altLang="en-US" sz="1600" dirty="0"/>
+              <a:t>하고</a:t>
+            </a:r>
+            <a:r>
+              <a:rPr lang="en-US" altLang="ko-KR" sz="1600" dirty="0"/>
+              <a:t>, GPU</a:t>
+            </a:r>
+            <a:r>
+              <a:rPr lang="ko-KR" altLang="en-US" sz="1600" dirty="0"/>
+              <a:t>가 읽기만</a:t>
+            </a:r>
+            <a:r>
+              <a:rPr lang="en-US" altLang="ko-KR" sz="1600" dirty="0"/>
+              <a:t>(Read-only)</a:t>
+            </a:r>
+            <a:r>
+              <a:rPr lang="ko-KR" altLang="en-US" sz="1600" dirty="0"/>
+              <a:t> 하는 용도로 사용하는 버퍼 타입</a:t>
+            </a:r>
+            <a:r>
+              <a:rPr lang="en-US" altLang="ko-KR" sz="1600" dirty="0"/>
+              <a:t>.</a:t>
+            </a:r>
+            <a:br>
+              <a:rPr lang="en-US" altLang="ko-KR" sz="1600" dirty="0"/>
+            </a:br>
+            <a:r>
+              <a:rPr lang="ko-KR" altLang="en-US" sz="1600" dirty="0"/>
+              <a:t>이때 버퍼는 시스템 메모리</a:t>
+            </a:r>
+            <a:r>
+              <a:rPr lang="en-US" altLang="ko-KR" sz="1600" dirty="0"/>
+              <a:t>(System RAM)</a:t>
+            </a:r>
+            <a:r>
+              <a:rPr lang="ko-KR" altLang="en-US" sz="1600" dirty="0"/>
+              <a:t> 에 위치하지만</a:t>
+            </a:r>
+            <a:r>
+              <a:rPr lang="en-US" altLang="ko-KR" sz="1600" dirty="0"/>
+              <a:t>, GPU</a:t>
+            </a:r>
+            <a:r>
+              <a:rPr lang="ko-KR" altLang="en-US" sz="1600" dirty="0"/>
+              <a:t>에서 접근할 수 있도록 드라이버가 내부적으로 비디오 메모리</a:t>
+            </a:r>
+            <a:r>
+              <a:rPr lang="en-US" altLang="ko-KR" sz="1600" dirty="0"/>
+              <a:t>(VRAM)</a:t>
+            </a:r>
+            <a:r>
+              <a:rPr lang="ko-KR" altLang="en-US" sz="1600" dirty="0"/>
+              <a:t>로 전송하는 과정을 거친다</a:t>
+            </a:r>
+            <a:r>
+              <a:rPr lang="en-US" altLang="ko-KR" sz="1600" dirty="0"/>
+              <a:t>.</a:t>
+            </a:r>
+          </a:p>
+          <a:p>
+            <a:endParaRPr lang="en-US" altLang="ko-KR" sz="1600" dirty="0"/>
+          </a:p>
+          <a:p>
+            <a:r>
+              <a:rPr lang="en-US" altLang="ko-KR" sz="1600" dirty="0"/>
+              <a:t>D3D11_USAGE_STAGING: GPU </a:t>
+            </a:r>
+            <a:r>
+              <a:rPr lang="ko-KR" altLang="en-US" sz="1600" dirty="0"/>
+              <a:t>리소스 내용을 </a:t>
+            </a:r>
+            <a:r>
+              <a:rPr lang="en-US" altLang="ko-KR" sz="1600" dirty="0"/>
+              <a:t>CPU</a:t>
+            </a:r>
+            <a:r>
+              <a:rPr lang="ko-KR" altLang="en-US" sz="1600" dirty="0"/>
+              <a:t>로 복사해 확인하는 용도 </a:t>
+            </a:r>
+            <a:r>
+              <a:rPr lang="en-US" altLang="ko-KR" sz="1600" dirty="0"/>
+              <a:t>(</a:t>
+            </a:r>
+            <a:r>
+              <a:rPr lang="ko-KR" altLang="en-US" sz="1600" dirty="0"/>
+              <a:t>예</a:t>
+            </a:r>
+            <a:r>
+              <a:rPr lang="en-US" altLang="ko-KR" sz="1600" dirty="0"/>
+              <a:t>: Debug)</a:t>
+            </a:r>
+            <a:r>
+              <a:rPr lang="ko-KR" altLang="en-US" dirty="0">
+                <a:solidFill>
+                  <a:srgbClr val="2F4F4F"/>
+                </a:solidFill>
+                <a:highlight>
+                  <a:srgbClr val="FFFFFF"/>
+                </a:highlight>
+                <a:latin typeface="+mn-ea"/>
+              </a:rPr>
+              <a:t>  </a:t>
+            </a:r>
+            <a:endParaRPr lang="ko-KR" altLang="en-US" dirty="0">
+              <a:latin typeface="+mn-ea"/>
+            </a:endParaRPr>
+          </a:p>
+        </p:txBody>
+      </p:sp>
+      <p:grpSp>
+        <p:nvGrpSpPr>
+          <p:cNvPr id="17" name="그룹 16">
+            <a:extLst>
+              <a:ext uri="{FF2B5EF4-FFF2-40B4-BE49-F238E27FC236}">
+                <a16:creationId xmlns:a16="http://schemas.microsoft.com/office/drawing/2014/main" id="{AF0C3DBA-BE65-6680-4809-57F52AF292FB}"/>
+              </a:ext>
+            </a:extLst>
+          </p:cNvPr>
+          <p:cNvGrpSpPr/>
+          <p:nvPr/>
+        </p:nvGrpSpPr>
+        <p:grpSpPr>
+          <a:xfrm>
+            <a:off x="1320943" y="2377337"/>
+            <a:ext cx="7001852" cy="1514686"/>
+            <a:chOff x="1001628" y="2211026"/>
+            <a:chExt cx="7001852" cy="1514686"/>
+          </a:xfrm>
+        </p:grpSpPr>
+        <p:pic>
+          <p:nvPicPr>
+            <p:cNvPr id="6" name="그림 5">
+              <a:extLst>
+                <a:ext uri="{FF2B5EF4-FFF2-40B4-BE49-F238E27FC236}">
+                  <a16:creationId xmlns:a16="http://schemas.microsoft.com/office/drawing/2014/main" id="{B96C827E-0D79-4908-E97E-28383FBCAE54}"/>
+                </a:ext>
+              </a:extLst>
+            </p:cNvPr>
+            <p:cNvPicPr>
+              <a:picLocks noChangeAspect="1"/>
+            </p:cNvPicPr>
+            <p:nvPr/>
+          </p:nvPicPr>
+          <p:blipFill>
+            <a:blip r:embed="rId2"/>
+            <a:stretch>
+              <a:fillRect/>
+            </a:stretch>
+          </p:blipFill>
+          <p:spPr>
+            <a:xfrm>
+              <a:off x="1001628" y="2211026"/>
+              <a:ext cx="7001852" cy="1514686"/>
+            </a:xfrm>
+            <a:prstGeom prst="rect">
+              <a:avLst/>
+            </a:prstGeom>
+          </p:spPr>
+        </p:pic>
+        <p:sp>
+          <p:nvSpPr>
+            <p:cNvPr id="9" name="TextBox 8">
+              <a:extLst>
+                <a:ext uri="{FF2B5EF4-FFF2-40B4-BE49-F238E27FC236}">
+                  <a16:creationId xmlns:a16="http://schemas.microsoft.com/office/drawing/2014/main" id="{95F684D8-572C-8CFF-3721-66917165DAA9}"/>
+                </a:ext>
+              </a:extLst>
+            </p:cNvPr>
+            <p:cNvSpPr txBox="1"/>
+            <p:nvPr/>
+          </p:nvSpPr>
+          <p:spPr>
+            <a:xfrm>
+              <a:off x="5626869" y="2903543"/>
+              <a:ext cx="646331" cy="276999"/>
+            </a:xfrm>
+            <a:prstGeom prst="rect">
+              <a:avLst/>
+            </a:prstGeom>
+            <a:noFill/>
+          </p:spPr>
+          <p:txBody>
+            <a:bodyPr wrap="none" rtlCol="0">
+              <a:spAutoFit/>
+            </a:bodyPr>
+            <a:lstStyle/>
+            <a:p>
+              <a:r>
+                <a:rPr lang="ko-KR" altLang="en-US" sz="1200" b="1" dirty="0" err="1"/>
+                <a:t>아니오</a:t>
+              </a:r>
+              <a:endParaRPr lang="ko-KR" altLang="en-US" sz="1200" b="1" dirty="0"/>
+            </a:p>
+          </p:txBody>
+        </p:sp>
+        <p:sp>
+          <p:nvSpPr>
+            <p:cNvPr id="10" name="TextBox 9">
+              <a:extLst>
+                <a:ext uri="{FF2B5EF4-FFF2-40B4-BE49-F238E27FC236}">
+                  <a16:creationId xmlns:a16="http://schemas.microsoft.com/office/drawing/2014/main" id="{12FC5E2C-71D5-B0EB-8B65-0B489C38A853}"/>
+                </a:ext>
+              </a:extLst>
+            </p:cNvPr>
+            <p:cNvSpPr txBox="1"/>
+            <p:nvPr/>
+          </p:nvSpPr>
+          <p:spPr>
+            <a:xfrm>
+              <a:off x="4364127" y="2903542"/>
+              <a:ext cx="646331" cy="276999"/>
+            </a:xfrm>
+            <a:prstGeom prst="rect">
+              <a:avLst/>
+            </a:prstGeom>
+            <a:noFill/>
+          </p:spPr>
+          <p:txBody>
+            <a:bodyPr wrap="none" rtlCol="0">
+              <a:spAutoFit/>
+            </a:bodyPr>
+            <a:lstStyle/>
+            <a:p>
+              <a:r>
+                <a:rPr lang="ko-KR" altLang="en-US" sz="1200" b="1" dirty="0" err="1"/>
+                <a:t>아니오</a:t>
+              </a:r>
+              <a:endParaRPr lang="ko-KR" altLang="en-US" sz="1200" b="1" dirty="0"/>
+            </a:p>
+          </p:txBody>
+        </p:sp>
+        <p:sp>
+          <p:nvSpPr>
+            <p:cNvPr id="11" name="TextBox 10">
+              <a:extLst>
+                <a:ext uri="{FF2B5EF4-FFF2-40B4-BE49-F238E27FC236}">
+                  <a16:creationId xmlns:a16="http://schemas.microsoft.com/office/drawing/2014/main" id="{BA27C58F-F6D5-2CF7-73FC-ACF6AB6187BB}"/>
+                </a:ext>
+              </a:extLst>
+            </p:cNvPr>
+            <p:cNvSpPr txBox="1"/>
+            <p:nvPr/>
+          </p:nvSpPr>
+          <p:spPr>
+            <a:xfrm>
+              <a:off x="3060426" y="3152001"/>
+              <a:ext cx="646331" cy="276999"/>
+            </a:xfrm>
+            <a:prstGeom prst="rect">
+              <a:avLst/>
+            </a:prstGeom>
+            <a:noFill/>
+          </p:spPr>
+          <p:txBody>
+            <a:bodyPr wrap="none" rtlCol="0">
+              <a:spAutoFit/>
+            </a:bodyPr>
+            <a:lstStyle/>
+            <a:p>
+              <a:r>
+                <a:rPr lang="ko-KR" altLang="en-US" sz="1200" b="1" dirty="0" err="1"/>
+                <a:t>아니오</a:t>
+              </a:r>
+              <a:endParaRPr lang="ko-KR" altLang="en-US" sz="1200" b="1" dirty="0"/>
+            </a:p>
+          </p:txBody>
+        </p:sp>
+        <p:sp>
+          <p:nvSpPr>
+            <p:cNvPr id="12" name="TextBox 11">
+              <a:extLst>
+                <a:ext uri="{FF2B5EF4-FFF2-40B4-BE49-F238E27FC236}">
+                  <a16:creationId xmlns:a16="http://schemas.microsoft.com/office/drawing/2014/main" id="{751F7419-B470-1F7B-5AA0-34F223E47DCD}"/>
+                </a:ext>
+              </a:extLst>
+            </p:cNvPr>
+            <p:cNvSpPr txBox="1"/>
+            <p:nvPr/>
+          </p:nvSpPr>
+          <p:spPr>
+            <a:xfrm>
+              <a:off x="3060426" y="3405527"/>
+              <a:ext cx="646331" cy="276999"/>
+            </a:xfrm>
+            <a:prstGeom prst="rect">
+              <a:avLst/>
+            </a:prstGeom>
+            <a:noFill/>
+          </p:spPr>
+          <p:txBody>
+            <a:bodyPr wrap="none" rtlCol="0">
+              <a:spAutoFit/>
+            </a:bodyPr>
+            <a:lstStyle/>
+            <a:p>
+              <a:r>
+                <a:rPr lang="ko-KR" altLang="en-US" sz="1200" b="1" dirty="0" err="1"/>
+                <a:t>아니오</a:t>
+              </a:r>
+              <a:endParaRPr lang="ko-KR" altLang="en-US" sz="1200" b="1" dirty="0"/>
+            </a:p>
+          </p:txBody>
+        </p:sp>
+        <p:sp>
+          <p:nvSpPr>
+            <p:cNvPr id="13" name="TextBox 12">
+              <a:extLst>
+                <a:ext uri="{FF2B5EF4-FFF2-40B4-BE49-F238E27FC236}">
+                  <a16:creationId xmlns:a16="http://schemas.microsoft.com/office/drawing/2014/main" id="{F17C24F9-24F4-2C57-033D-E648BD908029}"/>
+                </a:ext>
+              </a:extLst>
+            </p:cNvPr>
+            <p:cNvSpPr txBox="1"/>
+            <p:nvPr/>
+          </p:nvSpPr>
+          <p:spPr>
+            <a:xfrm>
+              <a:off x="4364127" y="3128528"/>
+              <a:ext cx="646331" cy="276999"/>
+            </a:xfrm>
+            <a:prstGeom prst="rect">
+              <a:avLst/>
+            </a:prstGeom>
+            <a:noFill/>
+          </p:spPr>
+          <p:txBody>
+            <a:bodyPr wrap="none" rtlCol="0">
+              <a:spAutoFit/>
+            </a:bodyPr>
+            <a:lstStyle/>
+            <a:p>
+              <a:r>
+                <a:rPr lang="ko-KR" altLang="en-US" sz="1200" b="1" dirty="0" err="1"/>
+                <a:t>아니오</a:t>
+              </a:r>
+              <a:endParaRPr lang="ko-KR" altLang="en-US" sz="1200" b="1" dirty="0"/>
+            </a:p>
+          </p:txBody>
+        </p:sp>
+        <p:sp>
+          <p:nvSpPr>
+            <p:cNvPr id="14" name="TextBox 13">
+              <a:extLst>
+                <a:ext uri="{FF2B5EF4-FFF2-40B4-BE49-F238E27FC236}">
+                  <a16:creationId xmlns:a16="http://schemas.microsoft.com/office/drawing/2014/main" id="{1FA6143A-DC98-036B-E523-4530BB1A7778}"/>
+                </a:ext>
+              </a:extLst>
+            </p:cNvPr>
+            <p:cNvSpPr txBox="1"/>
+            <p:nvPr/>
+          </p:nvSpPr>
+          <p:spPr>
+            <a:xfrm>
+              <a:off x="5626868" y="3180541"/>
+              <a:ext cx="646331" cy="276999"/>
+            </a:xfrm>
+            <a:prstGeom prst="rect">
+              <a:avLst/>
+            </a:prstGeom>
+            <a:noFill/>
+          </p:spPr>
+          <p:txBody>
+            <a:bodyPr wrap="none" rtlCol="0">
+              <a:spAutoFit/>
+            </a:bodyPr>
+            <a:lstStyle/>
+            <a:p>
+              <a:r>
+                <a:rPr lang="ko-KR" altLang="en-US" sz="1200" b="1" dirty="0" err="1"/>
+                <a:t>아니오</a:t>
+              </a:r>
+              <a:endParaRPr lang="ko-KR" altLang="en-US" sz="1200" b="1" dirty="0"/>
+            </a:p>
+          </p:txBody>
+        </p:sp>
+        <p:sp>
+          <p:nvSpPr>
+            <p:cNvPr id="15" name="TextBox 14">
+              <a:extLst>
+                <a:ext uri="{FF2B5EF4-FFF2-40B4-BE49-F238E27FC236}">
+                  <a16:creationId xmlns:a16="http://schemas.microsoft.com/office/drawing/2014/main" id="{AA6349F0-E81F-8988-E919-BE99AE6B9F1A}"/>
+                </a:ext>
+              </a:extLst>
+            </p:cNvPr>
+            <p:cNvSpPr txBox="1"/>
+            <p:nvPr/>
+          </p:nvSpPr>
+          <p:spPr>
+            <a:xfrm>
+              <a:off x="5638977" y="3405526"/>
+              <a:ext cx="646331" cy="276999"/>
+            </a:xfrm>
+            <a:prstGeom prst="rect">
+              <a:avLst/>
+            </a:prstGeom>
+            <a:noFill/>
+          </p:spPr>
+          <p:txBody>
+            <a:bodyPr wrap="none" rtlCol="0">
+              <a:spAutoFit/>
+            </a:bodyPr>
+            <a:lstStyle/>
+            <a:p>
+              <a:r>
+                <a:rPr lang="ko-KR" altLang="en-US" sz="1200" b="1" dirty="0" err="1"/>
+                <a:t>아니오</a:t>
+              </a:r>
+              <a:endParaRPr lang="ko-KR" altLang="en-US" sz="1200" b="1" dirty="0"/>
+            </a:p>
+          </p:txBody>
+        </p:sp>
+      </p:grpSp>
+    </p:spTree>
+    <p:extLst>
+      <p:ext uri="{BB962C8B-B14F-4D97-AF65-F5344CB8AC3E}">
+        <p14:creationId xmlns:p14="http://schemas.microsoft.com/office/powerpoint/2010/main" val="3973346438"/>
+      </p:ext>
+    </p:extLst>
+  </p:cSld>
+  <p:clrMapOvr>
+    <a:masterClrMapping/>
+  </p:clrMapOvr>
+</p:sld>
+</file>
+
+<file path=ppt/slides/slide13.xml><?xml version="1.0" encoding="utf-8"?>
+<p:sld xmlns:a="http://schemas.openxmlformats.org/drawingml/2006/main" xmlns:r="http://schemas.openxmlformats.org/officeDocument/2006/relationships" xmlns:p="http://schemas.openxmlformats.org/presentationml/2006/main">
+  <p:cSld>
+    <p:spTree>
+      <p:nvGrpSpPr>
+        <p:cNvPr id="1" name=""/>
+        <p:cNvGrpSpPr/>
+        <p:nvPr/>
+      </p:nvGrpSpPr>
+      <p:grpSpPr>
+        <a:xfrm>
+          <a:off x="0" y="0"/>
+          <a:ext cx="0" cy="0"/>
+          <a:chOff x="0" y="0"/>
+          <a:chExt cx="0" cy="0"/>
+        </a:xfrm>
+      </p:grpSpPr>
+      <p:sp>
+        <p:nvSpPr>
+          <p:cNvPr id="2" name="제목 1">
+            <a:extLst>
+              <a:ext uri="{FF2B5EF4-FFF2-40B4-BE49-F238E27FC236}">
+                <a16:creationId xmlns:a16="http://schemas.microsoft.com/office/drawing/2014/main" id="{52E502FA-0621-05B7-7D8B-A766917B17B9}"/>
+              </a:ext>
+            </a:extLst>
+          </p:cNvPr>
+          <p:cNvSpPr>
+            <a:spLocks noGrp="1"/>
+          </p:cNvSpPr>
+          <p:nvPr>
+            <p:ph type="title"/>
+          </p:nvPr>
+        </p:nvSpPr>
+        <p:spPr/>
+        <p:txBody>
+          <a:bodyPr/>
+          <a:lstStyle/>
+          <a:p>
+            <a:endParaRPr lang="ko-KR" altLang="en-US"/>
+          </a:p>
+        </p:txBody>
+      </p:sp>
+      <p:pic>
+        <p:nvPicPr>
+          <p:cNvPr id="4" name="그림 3">
+            <a:extLst>
+              <a:ext uri="{FF2B5EF4-FFF2-40B4-BE49-F238E27FC236}">
+                <a16:creationId xmlns:a16="http://schemas.microsoft.com/office/drawing/2014/main" id="{DEF8A9E5-5291-B986-2A22-3DFBC218317E}"/>
+              </a:ext>
+            </a:extLst>
+          </p:cNvPr>
+          <p:cNvPicPr>
+            <a:picLocks noChangeAspect="1"/>
+          </p:cNvPicPr>
+          <p:nvPr/>
+        </p:nvPicPr>
+        <p:blipFill>
+          <a:blip r:embed="rId2"/>
+          <a:stretch>
+            <a:fillRect/>
+          </a:stretch>
+        </p:blipFill>
+        <p:spPr>
+          <a:xfrm>
+            <a:off x="641221" y="1828800"/>
+            <a:ext cx="8605447" cy="3540012"/>
+          </a:xfrm>
+          <a:prstGeom prst="rect">
+            <a:avLst/>
+          </a:prstGeom>
+        </p:spPr>
+      </p:pic>
+      <p:sp>
+        <p:nvSpPr>
+          <p:cNvPr id="5" name="직사각형 4">
+            <a:extLst>
+              <a:ext uri="{FF2B5EF4-FFF2-40B4-BE49-F238E27FC236}">
+                <a16:creationId xmlns:a16="http://schemas.microsoft.com/office/drawing/2014/main" id="{ABAEB834-88DF-D779-E621-5C9B06534390}"/>
+              </a:ext>
+            </a:extLst>
+          </p:cNvPr>
+          <p:cNvSpPr/>
+          <p:nvPr/>
+        </p:nvSpPr>
+        <p:spPr>
+          <a:xfrm>
+            <a:off x="702491" y="2483166"/>
+            <a:ext cx="4716379" cy="413886"/>
+          </a:xfrm>
+          <a:prstGeom prst="rect">
+            <a:avLst/>
+          </a:prstGeom>
+          <a:noFill/>
+          <a:ln>
+            <a:solidFill>
+              <a:srgbClr val="FFFF00"/>
+            </a:solidFill>
+            <a:prstDash val="sysDash"/>
+          </a:ln>
+        </p:spPr>
+        <p:style>
+          <a:lnRef idx="2">
+            <a:schemeClr val="accent1">
+              <a:shade val="15000"/>
+            </a:schemeClr>
+          </a:lnRef>
+          <a:fillRef idx="1">
+            <a:schemeClr val="accent1"/>
+          </a:fillRef>
+          <a:effectRef idx="0">
+            <a:schemeClr val="accent1"/>
+          </a:effectRef>
+          <a:fontRef idx="minor">
+            <a:schemeClr val="lt1"/>
+          </a:fontRef>
+        </p:style>
+        <p:txBody>
+          <a:bodyPr rtlCol="0" anchor="ctr"/>
+          <a:lstStyle/>
+          <a:p>
+            <a:pPr algn="ctr"/>
+            <a:endParaRPr lang="ko-KR" altLang="en-US"/>
+          </a:p>
+        </p:txBody>
+      </p:sp>
+    </p:spTree>
+    <p:extLst>
+      <p:ext uri="{BB962C8B-B14F-4D97-AF65-F5344CB8AC3E}">
+        <p14:creationId xmlns:p14="http://schemas.microsoft.com/office/powerpoint/2010/main" val="1429976256"/>
       </p:ext>
     </p:extLst>
   </p:cSld>

--- a/Documents/11-SkinnedSkeletalMesh.pptx
+++ b/Documents/11-SkinnedSkeletalMesh.pptx
@@ -5,7 +5,7 @@
     <p:sldMasterId id="2147483648" r:id="rId1"/>
   </p:sldMasterIdLst>
   <p:notesMasterIdLst>
-    <p:notesMasterId r:id="rId15"/>
+    <p:notesMasterId r:id="rId12"/>
   </p:notesMasterIdLst>
   <p:sldIdLst>
     <p:sldId id="256" r:id="rId2"/>
@@ -18,9 +18,6 @@
     <p:sldId id="276" r:id="rId9"/>
     <p:sldId id="273" r:id="rId10"/>
     <p:sldId id="275" r:id="rId11"/>
-    <p:sldId id="282" r:id="rId12"/>
-    <p:sldId id="283" r:id="rId13"/>
-    <p:sldId id="284" r:id="rId14"/>
   </p:sldIdLst>
   <p:sldSz cx="12192000" cy="6858000"/>
   <p:notesSz cx="6858000" cy="9144000"/>
@@ -377,7 +374,7 @@
           <a:p>
             <a:fld id="{87BE21D1-FB6C-45D2-B3F9-92D6DF61F5DB}" type="datetimeFigureOut">
               <a:rPr lang="ko-KR" altLang="en-US" smtClean="0"/>
-              <a:t>2025-10-28</a:t>
+              <a:t>2026-01-04</a:t>
             </a:fld>
             <a:endParaRPr lang="ko-KR" altLang="en-US"/>
           </a:p>
@@ -959,7 +956,7 @@
           <a:p>
             <a:fld id="{1EEF8F7F-8666-4814-9722-5C9DAC821B19}" type="datetimeFigureOut">
               <a:rPr lang="ko-KR" altLang="en-US" smtClean="0"/>
-              <a:t>2025-10-28</a:t>
+              <a:t>2026-01-04</a:t>
             </a:fld>
             <a:endParaRPr lang="ko-KR" altLang="en-US"/>
           </a:p>
@@ -1157,7 +1154,7 @@
           <a:p>
             <a:fld id="{1EEF8F7F-8666-4814-9722-5C9DAC821B19}" type="datetimeFigureOut">
               <a:rPr lang="ko-KR" altLang="en-US" smtClean="0"/>
-              <a:t>2025-10-28</a:t>
+              <a:t>2026-01-04</a:t>
             </a:fld>
             <a:endParaRPr lang="ko-KR" altLang="en-US"/>
           </a:p>
@@ -1365,7 +1362,7 @@
           <a:p>
             <a:fld id="{1EEF8F7F-8666-4814-9722-5C9DAC821B19}" type="datetimeFigureOut">
               <a:rPr lang="ko-KR" altLang="en-US" smtClean="0"/>
-              <a:t>2025-10-28</a:t>
+              <a:t>2026-01-04</a:t>
             </a:fld>
             <a:endParaRPr lang="ko-KR" altLang="en-US"/>
           </a:p>
@@ -1563,7 +1560,7 @@
           <a:p>
             <a:fld id="{1EEF8F7F-8666-4814-9722-5C9DAC821B19}" type="datetimeFigureOut">
               <a:rPr lang="ko-KR" altLang="en-US" smtClean="0"/>
-              <a:t>2025-10-28</a:t>
+              <a:t>2026-01-04</a:t>
             </a:fld>
             <a:endParaRPr lang="ko-KR" altLang="en-US"/>
           </a:p>
@@ -1838,7 +1835,7 @@
           <a:p>
             <a:fld id="{1EEF8F7F-8666-4814-9722-5C9DAC821B19}" type="datetimeFigureOut">
               <a:rPr lang="ko-KR" altLang="en-US" smtClean="0"/>
-              <a:t>2025-10-28</a:t>
+              <a:t>2026-01-04</a:t>
             </a:fld>
             <a:endParaRPr lang="ko-KR" altLang="en-US"/>
           </a:p>
@@ -2103,7 +2100,7 @@
           <a:p>
             <a:fld id="{1EEF8F7F-8666-4814-9722-5C9DAC821B19}" type="datetimeFigureOut">
               <a:rPr lang="ko-KR" altLang="en-US" smtClean="0"/>
-              <a:t>2025-10-28</a:t>
+              <a:t>2026-01-04</a:t>
             </a:fld>
             <a:endParaRPr lang="ko-KR" altLang="en-US"/>
           </a:p>
@@ -2515,7 +2512,7 @@
           <a:p>
             <a:fld id="{1EEF8F7F-8666-4814-9722-5C9DAC821B19}" type="datetimeFigureOut">
               <a:rPr lang="ko-KR" altLang="en-US" smtClean="0"/>
-              <a:t>2025-10-28</a:t>
+              <a:t>2026-01-04</a:t>
             </a:fld>
             <a:endParaRPr lang="ko-KR" altLang="en-US"/>
           </a:p>
@@ -2656,7 +2653,7 @@
           <a:p>
             <a:fld id="{1EEF8F7F-8666-4814-9722-5C9DAC821B19}" type="datetimeFigureOut">
               <a:rPr lang="ko-KR" altLang="en-US" smtClean="0"/>
-              <a:t>2025-10-28</a:t>
+              <a:t>2026-01-04</a:t>
             </a:fld>
             <a:endParaRPr lang="ko-KR" altLang="en-US"/>
           </a:p>
@@ -2769,7 +2766,7 @@
           <a:p>
             <a:fld id="{1EEF8F7F-8666-4814-9722-5C9DAC821B19}" type="datetimeFigureOut">
               <a:rPr lang="ko-KR" altLang="en-US" smtClean="0"/>
-              <a:t>2025-10-28</a:t>
+              <a:t>2026-01-04</a:t>
             </a:fld>
             <a:endParaRPr lang="ko-KR" altLang="en-US"/>
           </a:p>
@@ -3080,7 +3077,7 @@
           <a:p>
             <a:fld id="{1EEF8F7F-8666-4814-9722-5C9DAC821B19}" type="datetimeFigureOut">
               <a:rPr lang="ko-KR" altLang="en-US" smtClean="0"/>
-              <a:t>2025-10-28</a:t>
+              <a:t>2026-01-04</a:t>
             </a:fld>
             <a:endParaRPr lang="ko-KR" altLang="en-US"/>
           </a:p>
@@ -3368,7 +3365,7 @@
           <a:p>
             <a:fld id="{1EEF8F7F-8666-4814-9722-5C9DAC821B19}" type="datetimeFigureOut">
               <a:rPr lang="ko-KR" altLang="en-US" smtClean="0"/>
-              <a:t>2025-10-28</a:t>
+              <a:t>2026-01-04</a:t>
             </a:fld>
             <a:endParaRPr lang="ko-KR" altLang="en-US"/>
           </a:p>
@@ -3609,7 +3606,7 @@
           <a:p>
             <a:fld id="{1EEF8F7F-8666-4814-9722-5C9DAC821B19}" type="datetimeFigureOut">
               <a:rPr lang="ko-KR" altLang="en-US" smtClean="0"/>
-              <a:t>2025-10-28</a:t>
+              <a:t>2026-01-04</a:t>
             </a:fld>
             <a:endParaRPr lang="ko-KR" altLang="en-US"/>
           </a:p>
@@ -4117,41 +4114,6 @@
           <a:chExt cx="0" cy="0"/>
         </a:xfrm>
       </p:grpSpPr>
-      <p:pic>
-        <p:nvPicPr>
-          <p:cNvPr id="5" name="그림 4">
-            <a:extLst>
-              <a:ext uri="{FF2B5EF4-FFF2-40B4-BE49-F238E27FC236}">
-                <a16:creationId xmlns:a16="http://schemas.microsoft.com/office/drawing/2014/main" id="{76BE90F2-E2F5-452C-AB6E-1EC14F34DDDA}"/>
-              </a:ext>
-            </a:extLst>
-          </p:cNvPr>
-          <p:cNvPicPr>
-            <a:picLocks noChangeAspect="1"/>
-          </p:cNvPicPr>
-          <p:nvPr/>
-        </p:nvPicPr>
-        <p:blipFill>
-          <a:blip r:embed="rId2">
-            <a:extLst>
-              <a:ext uri="{28A0092B-C50C-407E-A947-70E740481C1C}">
-                <a14:useLocalDpi xmlns:a14="http://schemas.microsoft.com/office/drawing/2010/main" val="0"/>
-              </a:ext>
-            </a:extLst>
-          </a:blip>
-          <a:srcRect/>
-          <a:stretch/>
-        </p:blipFill>
-        <p:spPr>
-          <a:xfrm>
-            <a:off x="169773" y="1838878"/>
-            <a:ext cx="9141867" cy="4911512"/>
-          </a:xfrm>
-          <a:prstGeom prst="rect">
-            <a:avLst/>
-          </a:prstGeom>
-        </p:spPr>
-      </p:pic>
       <p:sp>
         <p:nvSpPr>
           <p:cNvPr id="2" name="제목 1">
@@ -4239,1185 +4201,12 @@
           </a:p>
         </p:txBody>
       </p:sp>
-    </p:spTree>
-    <p:extLst>
-      <p:ext uri="{BB962C8B-B14F-4D97-AF65-F5344CB8AC3E}">
-        <p14:creationId xmlns:p14="http://schemas.microsoft.com/office/powerpoint/2010/main" val="432715998"/>
-      </p:ext>
-    </p:extLst>
-  </p:cSld>
-  <p:clrMapOvr>
-    <a:masterClrMapping/>
-  </p:clrMapOvr>
-</p:sld>
-</file>
-
-<file path=ppt/slides/slide11.xml><?xml version="1.0" encoding="utf-8"?>
-<p:sld xmlns:a="http://schemas.openxmlformats.org/drawingml/2006/main" xmlns:r="http://schemas.openxmlformats.org/officeDocument/2006/relationships" xmlns:p="http://schemas.openxmlformats.org/presentationml/2006/main">
-  <p:cSld>
-    <p:spTree>
-      <p:nvGrpSpPr>
-        <p:cNvPr id="1" name=""/>
-        <p:cNvGrpSpPr/>
-        <p:nvPr/>
-      </p:nvGrpSpPr>
-      <p:grpSpPr>
-        <a:xfrm>
-          <a:off x="0" y="0"/>
-          <a:ext cx="0" cy="0"/>
-          <a:chOff x="0" y="0"/>
-          <a:chExt cx="0" cy="0"/>
-        </a:xfrm>
-      </p:grpSpPr>
-      <p:sp>
-        <p:nvSpPr>
-          <p:cNvPr id="2" name="제목 1">
-            <a:extLst>
-              <a:ext uri="{FF2B5EF4-FFF2-40B4-BE49-F238E27FC236}">
-                <a16:creationId xmlns:a16="http://schemas.microsoft.com/office/drawing/2014/main" id="{DFB56C6A-F1A2-AE62-7E41-8D1A9D42A6A8}"/>
-              </a:ext>
-            </a:extLst>
-          </p:cNvPr>
-          <p:cNvSpPr>
-            <a:spLocks noGrp="1"/>
-          </p:cNvSpPr>
-          <p:nvPr>
-            <p:ph type="title"/>
-          </p:nvPr>
-        </p:nvSpPr>
-        <p:spPr/>
-        <p:txBody>
-          <a:bodyPr/>
-          <a:lstStyle/>
-          <a:p>
-            <a:r>
-              <a:rPr lang="en-US" altLang="ko-KR" dirty="0"/>
-              <a:t>Buffer/</a:t>
-            </a:r>
-            <a:r>
-              <a:rPr lang="en-US" altLang="ko-KR" dirty="0" err="1"/>
-              <a:t>StructuredBuffer</a:t>
-            </a:r>
-            <a:endParaRPr lang="ko-KR" altLang="en-US" dirty="0"/>
-          </a:p>
-        </p:txBody>
-      </p:sp>
-      <p:sp>
-        <p:nvSpPr>
-          <p:cNvPr id="4" name="TextBox 3">
-            <a:extLst>
-              <a:ext uri="{FF2B5EF4-FFF2-40B4-BE49-F238E27FC236}">
-                <a16:creationId xmlns:a16="http://schemas.microsoft.com/office/drawing/2014/main" id="{6D0388E7-E529-19C5-A673-D8ED8C76A9BD}"/>
-              </a:ext>
-            </a:extLst>
-          </p:cNvPr>
-          <p:cNvSpPr txBox="1"/>
-          <p:nvPr/>
-        </p:nvSpPr>
-        <p:spPr>
-          <a:xfrm>
-            <a:off x="391886" y="1690688"/>
-            <a:ext cx="11139715" cy="3139321"/>
-          </a:xfrm>
-          <a:prstGeom prst="rect">
-            <a:avLst/>
-          </a:prstGeom>
-          <a:noFill/>
-        </p:spPr>
-        <p:txBody>
-          <a:bodyPr wrap="square">
-            <a:spAutoFit/>
-          </a:bodyPr>
-          <a:lstStyle/>
-          <a:p>
-            <a:pPr>
-              <a:buNone/>
-            </a:pPr>
-            <a:r>
-              <a:rPr lang="en-US" altLang="ko-KR" dirty="0">
-                <a:effectLst/>
-              </a:rPr>
-              <a:t> Direct3D 11</a:t>
-            </a:r>
-            <a:r>
-              <a:rPr lang="ko-KR" altLang="en-US" dirty="0">
-                <a:effectLst/>
-              </a:rPr>
-              <a:t>에서 </a:t>
-            </a:r>
-            <a:r>
-              <a:rPr lang="en-US" altLang="ko-KR" dirty="0">
-                <a:effectLst/>
-              </a:rPr>
-              <a:t>ID3D11Buffer</a:t>
-            </a:r>
-            <a:r>
-              <a:rPr lang="ko-KR" altLang="en-US" dirty="0">
-                <a:effectLst/>
-              </a:rPr>
-              <a:t>는 다양한 용도로 사용되는 </a:t>
-            </a:r>
-            <a:r>
-              <a:rPr lang="en-US" altLang="ko-KR" dirty="0">
-                <a:effectLst/>
-              </a:rPr>
-              <a:t>GPU </a:t>
-            </a:r>
-            <a:r>
-              <a:rPr lang="ko-KR" altLang="en-US" dirty="0">
-                <a:effectLst/>
-              </a:rPr>
-              <a:t>메모리의 데이터 블록</a:t>
-            </a:r>
-            <a:r>
-              <a:rPr lang="ko-KR" altLang="en-US" dirty="0"/>
-              <a:t>이</a:t>
-            </a:r>
-            <a:r>
-              <a:rPr lang="ko-KR" altLang="en-US" dirty="0">
-                <a:effectLst/>
-              </a:rPr>
-              <a:t>다</a:t>
-            </a:r>
-            <a:r>
-              <a:rPr lang="en-US" altLang="ko-KR" dirty="0">
-                <a:effectLst/>
-              </a:rPr>
-              <a:t>. </a:t>
-            </a:r>
-          </a:p>
-          <a:p>
-            <a:pPr>
-              <a:buNone/>
-            </a:pPr>
-            <a:r>
-              <a:rPr lang="ko-KR" altLang="en-US" dirty="0">
-                <a:effectLst/>
-              </a:rPr>
-              <a:t>주요 용도와 버퍼의 종류는 다음과 같다</a:t>
-            </a:r>
-            <a:r>
-              <a:rPr lang="en-US" altLang="ko-KR" dirty="0">
-                <a:effectLst/>
-              </a:rPr>
-              <a:t>:</a:t>
-            </a:r>
-          </a:p>
-          <a:p>
-            <a:pPr>
-              <a:buNone/>
-            </a:pPr>
-            <a:endParaRPr lang="en-US" altLang="ko-KR" dirty="0">
-              <a:effectLst/>
-            </a:endParaRPr>
-          </a:p>
-          <a:p>
-            <a:r>
-              <a:rPr lang="ko-KR" altLang="en-US" dirty="0"/>
-              <a:t>정점 버퍼</a:t>
-            </a:r>
-            <a:r>
-              <a:rPr lang="en-US" altLang="ko-KR" dirty="0"/>
-              <a:t>(Vertex Buffer): </a:t>
-            </a:r>
-            <a:r>
-              <a:rPr lang="ko-KR" altLang="en-US" dirty="0"/>
-              <a:t>정점 데이터</a:t>
-            </a:r>
-            <a:r>
-              <a:rPr lang="en-US" altLang="ko-KR" dirty="0"/>
-              <a:t>(</a:t>
-            </a:r>
-            <a:r>
-              <a:rPr lang="ko-KR" altLang="en-US" dirty="0"/>
-              <a:t>위치</a:t>
-            </a:r>
-            <a:r>
-              <a:rPr lang="en-US" altLang="ko-KR" dirty="0"/>
-              <a:t>, </a:t>
-            </a:r>
-            <a:r>
-              <a:rPr lang="ko-KR" altLang="en-US" dirty="0"/>
-              <a:t>법선</a:t>
-            </a:r>
-            <a:r>
-              <a:rPr lang="en-US" altLang="ko-KR" dirty="0"/>
-              <a:t>, </a:t>
-            </a:r>
-            <a:r>
-              <a:rPr lang="ko-KR" altLang="en-US" dirty="0"/>
-              <a:t>텍스처 좌표 등</a:t>
-            </a:r>
-            <a:r>
-              <a:rPr lang="en-US" altLang="ko-KR" dirty="0"/>
-              <a:t>) </a:t>
-            </a:r>
-            <a:r>
-              <a:rPr lang="ko-KR" altLang="en-US" dirty="0"/>
-              <a:t>저장</a:t>
-            </a:r>
-            <a:r>
-              <a:rPr lang="en-US" altLang="ko-KR" dirty="0"/>
-              <a:t>.</a:t>
-            </a:r>
-          </a:p>
-          <a:p>
-            <a:r>
-              <a:rPr lang="ko-KR" altLang="en-US" dirty="0"/>
-              <a:t>인덱스 버퍼</a:t>
-            </a:r>
-            <a:r>
-              <a:rPr lang="en-US" altLang="ko-KR" dirty="0"/>
-              <a:t>(Index Buffer): </a:t>
-            </a:r>
-            <a:r>
-              <a:rPr lang="ko-KR" altLang="en-US" dirty="0"/>
-              <a:t>정점 인덱스 저장</a:t>
-            </a:r>
-            <a:r>
-              <a:rPr lang="en-US" altLang="ko-KR" dirty="0"/>
-              <a:t>.</a:t>
-            </a:r>
-          </a:p>
-          <a:p>
-            <a:r>
-              <a:rPr lang="ko-KR" altLang="en-US" dirty="0"/>
-              <a:t>상수 버퍼</a:t>
-            </a:r>
-            <a:r>
-              <a:rPr lang="en-US" altLang="ko-KR" dirty="0"/>
-              <a:t>(Constant Buffer): </a:t>
-            </a:r>
-            <a:r>
-              <a:rPr lang="ko-KR" altLang="en-US" dirty="0" err="1"/>
-              <a:t>셰이더에서</a:t>
-            </a:r>
-            <a:r>
-              <a:rPr lang="ko-KR" altLang="en-US" dirty="0"/>
-              <a:t> 사용하는 상수 데이터</a:t>
-            </a:r>
-            <a:r>
-              <a:rPr lang="en-US" altLang="ko-KR" dirty="0"/>
-              <a:t>(</a:t>
-            </a:r>
-            <a:r>
-              <a:rPr lang="ko-KR" altLang="en-US" dirty="0"/>
-              <a:t>예</a:t>
-            </a:r>
-            <a:r>
-              <a:rPr lang="en-US" altLang="ko-KR" dirty="0"/>
-              <a:t>: </a:t>
-            </a:r>
-            <a:r>
-              <a:rPr lang="ko-KR" altLang="en-US" dirty="0"/>
-              <a:t>행렬</a:t>
-            </a:r>
-            <a:r>
-              <a:rPr lang="en-US" altLang="ko-KR" dirty="0"/>
-              <a:t>, </a:t>
-            </a:r>
-            <a:r>
-              <a:rPr lang="ko-KR" altLang="en-US" dirty="0"/>
-              <a:t>조명 파라미터</a:t>
-            </a:r>
-            <a:r>
-              <a:rPr lang="en-US" altLang="ko-KR" dirty="0"/>
-              <a:t>) </a:t>
-            </a:r>
-            <a:r>
-              <a:rPr lang="ko-KR" altLang="en-US" dirty="0"/>
-              <a:t>저장</a:t>
-            </a:r>
-            <a:endParaRPr lang="en-US" altLang="ko-KR" dirty="0"/>
-          </a:p>
-          <a:p>
-            <a:endParaRPr lang="en-US" altLang="ko-KR" dirty="0"/>
-          </a:p>
-          <a:p>
-            <a:r>
-              <a:rPr lang="ko-KR" altLang="en-US" b="1" dirty="0"/>
-              <a:t>표준 버퍼</a:t>
-            </a:r>
-            <a:r>
-              <a:rPr lang="en-US" altLang="ko-KR" b="1" dirty="0"/>
-              <a:t>(Non Structured Buffer)</a:t>
-            </a:r>
-            <a:r>
-              <a:rPr lang="en-US" altLang="ko-KR" dirty="0"/>
-              <a:t>: HLSL</a:t>
-            </a:r>
-            <a:r>
-              <a:rPr lang="ko-KR" altLang="en-US" dirty="0"/>
-              <a:t>에서 기본 타입으로 접근 가능한 배열 버퍼</a:t>
-            </a:r>
-            <a:endParaRPr lang="en-US" altLang="ko-KR" dirty="0"/>
-          </a:p>
-          <a:p>
-            <a:r>
-              <a:rPr lang="ko-KR" altLang="en-US" b="1" dirty="0"/>
-              <a:t>구조화된 버퍼</a:t>
-            </a:r>
-            <a:r>
-              <a:rPr lang="en-US" altLang="ko-KR" b="1" dirty="0"/>
-              <a:t>(Structured Buffer)</a:t>
-            </a:r>
-            <a:r>
-              <a:rPr lang="en-US" altLang="ko-KR" dirty="0"/>
-              <a:t>: HLSL</a:t>
-            </a:r>
-            <a:r>
-              <a:rPr lang="ko-KR" altLang="en-US" dirty="0"/>
-              <a:t>에서 사용자 정의 구조체로 접근 가능한 배열 버퍼</a:t>
-            </a:r>
-            <a:endParaRPr lang="en-US" altLang="ko-KR" dirty="0"/>
-          </a:p>
-          <a:p>
-            <a:endParaRPr lang="en-US" altLang="ko-KR" dirty="0"/>
-          </a:p>
-          <a:p>
-            <a:r>
-              <a:rPr lang="en-US" altLang="ko-KR" dirty="0"/>
-              <a:t>RAW </a:t>
-            </a:r>
-            <a:r>
-              <a:rPr lang="ko-KR" altLang="en-US" dirty="0"/>
-              <a:t>버퍼</a:t>
-            </a:r>
-            <a:r>
-              <a:rPr lang="en-US" altLang="ko-KR" dirty="0"/>
-              <a:t>(</a:t>
-            </a:r>
-            <a:r>
-              <a:rPr lang="en-US" altLang="ko-KR" dirty="0" err="1"/>
-              <a:t>ByteAddressBuffer</a:t>
-            </a:r>
-            <a:r>
-              <a:rPr lang="en-US" altLang="ko-KR" dirty="0"/>
-              <a:t>): </a:t>
-            </a:r>
-            <a:r>
-              <a:rPr lang="ko-KR" altLang="en-US" dirty="0"/>
-              <a:t>바이트 단위로 접근 가능한 버퍼</a:t>
-            </a:r>
-            <a:r>
-              <a:rPr lang="en-US" altLang="ko-KR" dirty="0"/>
-              <a:t>.</a:t>
-            </a:r>
-          </a:p>
-        </p:txBody>
-      </p:sp>
-    </p:spTree>
-    <p:extLst>
-      <p:ext uri="{BB962C8B-B14F-4D97-AF65-F5344CB8AC3E}">
-        <p14:creationId xmlns:p14="http://schemas.microsoft.com/office/powerpoint/2010/main" val="1594839120"/>
-      </p:ext>
-    </p:extLst>
-  </p:cSld>
-  <p:clrMapOvr>
-    <a:masterClrMapping/>
-  </p:clrMapOvr>
-</p:sld>
-</file>
-
-<file path=ppt/slides/slide12.xml><?xml version="1.0" encoding="utf-8"?>
-<p:sld xmlns:a="http://schemas.openxmlformats.org/drawingml/2006/main" xmlns:r="http://schemas.openxmlformats.org/officeDocument/2006/relationships" xmlns:p="http://schemas.openxmlformats.org/presentationml/2006/main">
-  <p:cSld>
-    <p:spTree>
-      <p:nvGrpSpPr>
-        <p:cNvPr id="1" name=""/>
-        <p:cNvGrpSpPr/>
-        <p:nvPr/>
-      </p:nvGrpSpPr>
-      <p:grpSpPr>
-        <a:xfrm>
-          <a:off x="0" y="0"/>
-          <a:ext cx="0" cy="0"/>
-          <a:chOff x="0" y="0"/>
-          <a:chExt cx="0" cy="0"/>
-        </a:xfrm>
-      </p:grpSpPr>
-      <p:sp>
-        <p:nvSpPr>
-          <p:cNvPr id="2" name="제목 1">
-            <a:extLst>
-              <a:ext uri="{FF2B5EF4-FFF2-40B4-BE49-F238E27FC236}">
-                <a16:creationId xmlns:a16="http://schemas.microsoft.com/office/drawing/2014/main" id="{EB76A13D-F0E3-C5EA-4269-F34CD9A55BA2}"/>
-              </a:ext>
-            </a:extLst>
-          </p:cNvPr>
-          <p:cNvSpPr>
-            <a:spLocks noGrp="1"/>
-          </p:cNvSpPr>
-          <p:nvPr>
-            <p:ph type="title"/>
-          </p:nvPr>
-        </p:nvSpPr>
-        <p:spPr/>
-        <p:txBody>
-          <a:bodyPr/>
-          <a:lstStyle/>
-          <a:p>
-            <a:r>
-              <a:rPr lang="ko-KR" altLang="en-US" dirty="0"/>
-              <a:t>버퍼의 용도</a:t>
-            </a:r>
-            <a:r>
-              <a:rPr lang="en-US" altLang="ko-KR" dirty="0"/>
-              <a:t>(</a:t>
-            </a:r>
-            <a:r>
-              <a:rPr lang="en-US" altLang="ko-KR" i="1" dirty="0"/>
-              <a:t>Usage)</a:t>
-            </a:r>
-            <a:endParaRPr lang="ko-KR" altLang="en-US" dirty="0"/>
-          </a:p>
-        </p:txBody>
-      </p:sp>
-      <p:sp>
-        <p:nvSpPr>
-          <p:cNvPr id="4" name="TextBox 3">
-            <a:extLst>
-              <a:ext uri="{FF2B5EF4-FFF2-40B4-BE49-F238E27FC236}">
-                <a16:creationId xmlns:a16="http://schemas.microsoft.com/office/drawing/2014/main" id="{56A2E606-7AF9-9152-89FE-A51BDCEB66D7}"/>
-              </a:ext>
-            </a:extLst>
-          </p:cNvPr>
-          <p:cNvSpPr txBox="1"/>
-          <p:nvPr/>
-        </p:nvSpPr>
-        <p:spPr>
-          <a:xfrm>
-            <a:off x="352148" y="1454007"/>
-            <a:ext cx="10573658" cy="923330"/>
-          </a:xfrm>
-          <a:prstGeom prst="rect">
-            <a:avLst/>
-          </a:prstGeom>
-          <a:noFill/>
-        </p:spPr>
-        <p:txBody>
-          <a:bodyPr wrap="square" rtlCol="0">
-            <a:spAutoFit/>
-          </a:bodyPr>
-          <a:lstStyle/>
-          <a:p>
-            <a:r>
-              <a:rPr lang="ko-KR" altLang="en-US" dirty="0"/>
-              <a:t>버퍼의 용도 설정은 사용 패턴과 메모리 관리 정책을 의미한다</a:t>
-            </a:r>
-            <a:r>
-              <a:rPr lang="en-US" altLang="ko-KR" dirty="0"/>
-              <a:t>. </a:t>
-            </a:r>
-            <a:r>
-              <a:rPr lang="ko-KR" altLang="en-US" dirty="0"/>
-              <a:t>이 설정에 따라 내부 드라이버는 버퍼의 데이터를 이동</a:t>
-            </a:r>
-            <a:r>
-              <a:rPr lang="en-US" altLang="ko-KR" dirty="0"/>
-              <a:t>(System RAM &lt;-&gt; Video RAM)</a:t>
-            </a:r>
-            <a:r>
-              <a:rPr lang="ko-KR" altLang="en-US" dirty="0"/>
-              <a:t>시키거나 특정 위치에 유지한다</a:t>
-            </a:r>
-            <a:r>
-              <a:rPr lang="en-US" altLang="ko-KR" dirty="0"/>
-              <a:t>.</a:t>
-            </a:r>
-            <a:r>
-              <a:rPr lang="ko-KR" altLang="en-US" dirty="0"/>
-              <a:t> </a:t>
-            </a:r>
-            <a:endParaRPr lang="en-US" altLang="ko-KR" dirty="0"/>
-          </a:p>
-          <a:p>
-            <a:r>
-              <a:rPr lang="ko-KR" altLang="en-US" dirty="0"/>
-              <a:t>용도에 </a:t>
-            </a:r>
-            <a:r>
-              <a:rPr lang="en-US" altLang="ko-KR" dirty="0" err="1"/>
-              <a:t>CPUAccessFlag</a:t>
-            </a:r>
-            <a:r>
-              <a:rPr lang="ko-KR" altLang="en-US" dirty="0"/>
-              <a:t>를 설정하여 한번 더 드라이버의 동작이 최적화된다</a:t>
-            </a:r>
-            <a:r>
-              <a:rPr lang="en-US" altLang="ko-KR" dirty="0"/>
-              <a:t>.</a:t>
-            </a:r>
-            <a:endParaRPr lang="ko-KR" altLang="en-US" dirty="0"/>
-          </a:p>
-        </p:txBody>
-      </p:sp>
-      <p:sp>
-        <p:nvSpPr>
-          <p:cNvPr id="8" name="TextBox 7">
-            <a:extLst>
-              <a:ext uri="{FF2B5EF4-FFF2-40B4-BE49-F238E27FC236}">
-                <a16:creationId xmlns:a16="http://schemas.microsoft.com/office/drawing/2014/main" id="{8AA9A06F-EBD5-1454-53BC-4F3FFBF22F1B}"/>
-              </a:ext>
-            </a:extLst>
-          </p:cNvPr>
-          <p:cNvSpPr txBox="1"/>
-          <p:nvPr/>
-        </p:nvSpPr>
-        <p:spPr>
-          <a:xfrm>
-            <a:off x="268915" y="4008741"/>
-            <a:ext cx="11654170" cy="2585323"/>
-          </a:xfrm>
-          <a:prstGeom prst="rect">
-            <a:avLst/>
-          </a:prstGeom>
-          <a:noFill/>
-        </p:spPr>
-        <p:txBody>
-          <a:bodyPr wrap="square">
-            <a:spAutoFit/>
-          </a:bodyPr>
-          <a:lstStyle/>
-          <a:p>
-            <a:r>
-              <a:rPr lang="en-US" altLang="ko-KR" sz="1600" b="1" dirty="0">
-                <a:highlight>
-                  <a:srgbClr val="FFFFFF"/>
-                </a:highlight>
-                <a:latin typeface="+mn-ea"/>
-              </a:rPr>
-              <a:t>D3D11_USAGE_IMMUTABLE:   </a:t>
-            </a:r>
-            <a:r>
-              <a:rPr lang="ko-KR" altLang="en-US" sz="1600" b="1" dirty="0">
-                <a:highlight>
-                  <a:srgbClr val="FFFFFF"/>
-                </a:highlight>
-                <a:latin typeface="+mn-ea"/>
-              </a:rPr>
-              <a:t>불변 하며 </a:t>
-            </a:r>
-            <a:r>
-              <a:rPr lang="en-US" altLang="ko-KR" sz="1600" b="1" dirty="0">
-                <a:highlight>
-                  <a:srgbClr val="FFFFFF"/>
-                </a:highlight>
-                <a:latin typeface="+mn-ea"/>
-              </a:rPr>
-              <a:t>GPU</a:t>
-            </a:r>
-            <a:r>
-              <a:rPr lang="ko-KR" altLang="en-US" sz="1600" b="1" dirty="0">
-                <a:highlight>
-                  <a:srgbClr val="FFFFFF"/>
-                </a:highlight>
-                <a:latin typeface="+mn-ea"/>
-              </a:rPr>
-              <a:t>만 읽기 가능한 용도 이므로 가능한 </a:t>
-            </a:r>
-            <a:r>
-              <a:rPr lang="en-US" altLang="ko-KR" sz="1600" b="1" dirty="0">
-                <a:highlight>
-                  <a:srgbClr val="FFFFFF"/>
-                </a:highlight>
-                <a:latin typeface="+mn-ea"/>
-              </a:rPr>
-              <a:t>Video RAM</a:t>
-            </a:r>
-            <a:r>
-              <a:rPr lang="ko-KR" altLang="en-US" sz="1600" b="1" dirty="0">
-                <a:highlight>
-                  <a:srgbClr val="FFFFFF"/>
-                </a:highlight>
-                <a:latin typeface="+mn-ea"/>
-              </a:rPr>
-              <a:t>에 유지한다</a:t>
-            </a:r>
-            <a:r>
-              <a:rPr lang="en-US" altLang="ko-KR" sz="1600" b="1" dirty="0">
-                <a:highlight>
-                  <a:srgbClr val="FFFFFF"/>
-                </a:highlight>
-                <a:latin typeface="+mn-ea"/>
-              </a:rPr>
-              <a:t>.</a:t>
-            </a:r>
-          </a:p>
-          <a:p>
-            <a:endParaRPr lang="en-US" altLang="ko-KR" sz="1600" dirty="0"/>
-          </a:p>
-          <a:p>
-            <a:r>
-              <a:rPr lang="en-US" altLang="ko-KR" sz="1600" dirty="0"/>
-              <a:t>D3D11_USAGE_DEFAULT:  GPU</a:t>
-            </a:r>
-            <a:r>
-              <a:rPr lang="ko-KR" altLang="en-US" sz="1600" dirty="0"/>
-              <a:t>만 읽기</a:t>
-            </a:r>
-            <a:r>
-              <a:rPr lang="en-US" altLang="ko-KR" sz="1600" dirty="0"/>
-              <a:t>,</a:t>
-            </a:r>
-            <a:r>
-              <a:rPr lang="ko-KR" altLang="en-US" sz="1600" dirty="0"/>
-              <a:t>쓰기</a:t>
-            </a:r>
-            <a:r>
-              <a:rPr lang="en-US" altLang="ko-KR" sz="1600" dirty="0"/>
-              <a:t>. CPU</a:t>
-            </a:r>
-            <a:r>
-              <a:rPr lang="ko-KR" altLang="en-US" sz="1600" dirty="0"/>
-              <a:t>가 직접 메모리접근이 불가이므로 가능한 </a:t>
-            </a:r>
-            <a:r>
-              <a:rPr lang="en-US" altLang="ko-KR" sz="1600" dirty="0"/>
-              <a:t>Video</a:t>
-            </a:r>
-            <a:r>
-              <a:rPr lang="ko-KR" altLang="en-US" sz="1600" dirty="0"/>
-              <a:t> </a:t>
-            </a:r>
-            <a:r>
-              <a:rPr lang="en-US" altLang="ko-KR" sz="1600" dirty="0"/>
-              <a:t>RAM </a:t>
-            </a:r>
-            <a:r>
-              <a:rPr lang="ko-KR" altLang="en-US" sz="1600" dirty="0"/>
-              <a:t>유지</a:t>
-            </a:r>
-            <a:endParaRPr lang="en-US" altLang="ko-KR" sz="1600" dirty="0"/>
-          </a:p>
-          <a:p>
-            <a:r>
-              <a:rPr lang="ko-KR" altLang="en-US" sz="1600" dirty="0"/>
-              <a:t>간접명령</a:t>
-            </a:r>
-            <a:r>
-              <a:rPr lang="en-US" altLang="ko-KR" sz="1600" dirty="0"/>
-              <a:t>(ID3D11DeviceContext::</a:t>
-            </a:r>
-            <a:r>
-              <a:rPr lang="en-US" altLang="ko-KR" sz="1600" dirty="0" err="1"/>
-              <a:t>UpdateSubresource</a:t>
-            </a:r>
-            <a:r>
-              <a:rPr lang="en-US" altLang="ko-KR" sz="1600" dirty="0"/>
-              <a:t>)</a:t>
-            </a:r>
-            <a:r>
-              <a:rPr lang="ko-KR" altLang="en-US" sz="1600" dirty="0"/>
-              <a:t>으로 드라이버가 </a:t>
-            </a:r>
-            <a:r>
-              <a:rPr lang="en-US" altLang="ko-KR" sz="1600" dirty="0" err="1"/>
-              <a:t>SystemRAM</a:t>
-            </a:r>
-            <a:r>
-              <a:rPr lang="en-US" altLang="ko-KR" sz="1600" dirty="0"/>
-              <a:t> </a:t>
-            </a:r>
-            <a:r>
-              <a:rPr lang="ko-KR" altLang="en-US" sz="1600" dirty="0"/>
-              <a:t>데이터를 복사하게 할 수 있음</a:t>
-            </a:r>
-            <a:r>
-              <a:rPr lang="en-US" altLang="ko-KR" sz="1600" dirty="0"/>
-              <a:t>.</a:t>
-            </a:r>
-          </a:p>
-          <a:p>
-            <a:endParaRPr lang="en-US" altLang="ko-KR" sz="1600" dirty="0"/>
-          </a:p>
-          <a:p>
-            <a:r>
-              <a:rPr lang="en-US" altLang="ko-KR" sz="1600" dirty="0"/>
-              <a:t>D3D11_USAGE_DYNAMIC: CPU</a:t>
-            </a:r>
-            <a:r>
-              <a:rPr lang="ko-KR" altLang="en-US" sz="1600" dirty="0"/>
-              <a:t>가 자주 갱신</a:t>
-            </a:r>
-            <a:r>
-              <a:rPr lang="en-US" altLang="ko-KR" sz="1600" dirty="0"/>
-              <a:t>(Update)</a:t>
-            </a:r>
-            <a:r>
-              <a:rPr lang="ko-KR" altLang="en-US" sz="1600" dirty="0"/>
-              <a:t>하고</a:t>
-            </a:r>
-            <a:r>
-              <a:rPr lang="en-US" altLang="ko-KR" sz="1600" dirty="0"/>
-              <a:t>, GPU</a:t>
-            </a:r>
-            <a:r>
-              <a:rPr lang="ko-KR" altLang="en-US" sz="1600" dirty="0"/>
-              <a:t>가 읽기만</a:t>
-            </a:r>
-            <a:r>
-              <a:rPr lang="en-US" altLang="ko-KR" sz="1600" dirty="0"/>
-              <a:t>(Read-only)</a:t>
-            </a:r>
-            <a:r>
-              <a:rPr lang="ko-KR" altLang="en-US" sz="1600" dirty="0"/>
-              <a:t> 하는 용도로 사용하는 버퍼 타입</a:t>
-            </a:r>
-            <a:r>
-              <a:rPr lang="en-US" altLang="ko-KR" sz="1600" dirty="0"/>
-              <a:t>.</a:t>
-            </a:r>
-            <a:br>
-              <a:rPr lang="en-US" altLang="ko-KR" sz="1600" dirty="0"/>
-            </a:br>
-            <a:r>
-              <a:rPr lang="ko-KR" altLang="en-US" sz="1600" dirty="0"/>
-              <a:t>이때 버퍼는 시스템 메모리</a:t>
-            </a:r>
-            <a:r>
-              <a:rPr lang="en-US" altLang="ko-KR" sz="1600" dirty="0"/>
-              <a:t>(System RAM)</a:t>
-            </a:r>
-            <a:r>
-              <a:rPr lang="ko-KR" altLang="en-US" sz="1600" dirty="0"/>
-              <a:t> 에 위치하지만</a:t>
-            </a:r>
-            <a:r>
-              <a:rPr lang="en-US" altLang="ko-KR" sz="1600" dirty="0"/>
-              <a:t>, GPU</a:t>
-            </a:r>
-            <a:r>
-              <a:rPr lang="ko-KR" altLang="en-US" sz="1600" dirty="0"/>
-              <a:t>에서 접근할 수 있도록 드라이버가 내부적으로 비디오 메모리</a:t>
-            </a:r>
-            <a:r>
-              <a:rPr lang="en-US" altLang="ko-KR" sz="1600" dirty="0"/>
-              <a:t>(VRAM)</a:t>
-            </a:r>
-            <a:r>
-              <a:rPr lang="ko-KR" altLang="en-US" sz="1600" dirty="0"/>
-              <a:t>로 전송하는 과정을 거친다</a:t>
-            </a:r>
-            <a:r>
-              <a:rPr lang="en-US" altLang="ko-KR" sz="1600" dirty="0"/>
-              <a:t>.</a:t>
-            </a:r>
-          </a:p>
-          <a:p>
-            <a:endParaRPr lang="en-US" altLang="ko-KR" sz="1600" dirty="0"/>
-          </a:p>
-          <a:p>
-            <a:r>
-              <a:rPr lang="en-US" altLang="ko-KR" sz="1600" dirty="0"/>
-              <a:t>D3D11_USAGE_STAGING: GPU </a:t>
-            </a:r>
-            <a:r>
-              <a:rPr lang="ko-KR" altLang="en-US" sz="1600" dirty="0"/>
-              <a:t>리소스 내용을 </a:t>
-            </a:r>
-            <a:r>
-              <a:rPr lang="en-US" altLang="ko-KR" sz="1600" dirty="0"/>
-              <a:t>CPU</a:t>
-            </a:r>
-            <a:r>
-              <a:rPr lang="ko-KR" altLang="en-US" sz="1600" dirty="0"/>
-              <a:t>로 복사해 확인하는 용도 </a:t>
-            </a:r>
-            <a:r>
-              <a:rPr lang="en-US" altLang="ko-KR" sz="1600" dirty="0"/>
-              <a:t>(</a:t>
-            </a:r>
-            <a:r>
-              <a:rPr lang="ko-KR" altLang="en-US" sz="1600" dirty="0"/>
-              <a:t>예</a:t>
-            </a:r>
-            <a:r>
-              <a:rPr lang="en-US" altLang="ko-KR" sz="1600" dirty="0"/>
-              <a:t>: Debug)</a:t>
-            </a:r>
-            <a:r>
-              <a:rPr lang="ko-KR" altLang="en-US" dirty="0">
-                <a:solidFill>
-                  <a:srgbClr val="2F4F4F"/>
-                </a:solidFill>
-                <a:highlight>
-                  <a:srgbClr val="FFFFFF"/>
-                </a:highlight>
-                <a:latin typeface="+mn-ea"/>
-              </a:rPr>
-              <a:t>  </a:t>
-            </a:r>
-            <a:endParaRPr lang="ko-KR" altLang="en-US" dirty="0">
-              <a:latin typeface="+mn-ea"/>
-            </a:endParaRPr>
-          </a:p>
-        </p:txBody>
-      </p:sp>
-      <p:grpSp>
-        <p:nvGrpSpPr>
-          <p:cNvPr id="17" name="그룹 16">
-            <a:extLst>
-              <a:ext uri="{FF2B5EF4-FFF2-40B4-BE49-F238E27FC236}">
-                <a16:creationId xmlns:a16="http://schemas.microsoft.com/office/drawing/2014/main" id="{AF0C3DBA-BE65-6680-4809-57F52AF292FB}"/>
-              </a:ext>
-            </a:extLst>
-          </p:cNvPr>
-          <p:cNvGrpSpPr/>
-          <p:nvPr/>
-        </p:nvGrpSpPr>
-        <p:grpSpPr>
-          <a:xfrm>
-            <a:off x="1320943" y="2377337"/>
-            <a:ext cx="7001852" cy="1514686"/>
-            <a:chOff x="1001628" y="2211026"/>
-            <a:chExt cx="7001852" cy="1514686"/>
-          </a:xfrm>
-        </p:grpSpPr>
-        <p:pic>
-          <p:nvPicPr>
-            <p:cNvPr id="6" name="그림 5">
-              <a:extLst>
-                <a:ext uri="{FF2B5EF4-FFF2-40B4-BE49-F238E27FC236}">
-                  <a16:creationId xmlns:a16="http://schemas.microsoft.com/office/drawing/2014/main" id="{B96C827E-0D79-4908-E97E-28383FBCAE54}"/>
-                </a:ext>
-              </a:extLst>
-            </p:cNvPr>
-            <p:cNvPicPr>
-              <a:picLocks noChangeAspect="1"/>
-            </p:cNvPicPr>
-            <p:nvPr/>
-          </p:nvPicPr>
-          <p:blipFill>
-            <a:blip r:embed="rId2"/>
-            <a:stretch>
-              <a:fillRect/>
-            </a:stretch>
-          </p:blipFill>
-          <p:spPr>
-            <a:xfrm>
-              <a:off x="1001628" y="2211026"/>
-              <a:ext cx="7001852" cy="1514686"/>
-            </a:xfrm>
-            <a:prstGeom prst="rect">
-              <a:avLst/>
-            </a:prstGeom>
-          </p:spPr>
-        </p:pic>
-        <p:sp>
-          <p:nvSpPr>
-            <p:cNvPr id="9" name="TextBox 8">
-              <a:extLst>
-                <a:ext uri="{FF2B5EF4-FFF2-40B4-BE49-F238E27FC236}">
-                  <a16:creationId xmlns:a16="http://schemas.microsoft.com/office/drawing/2014/main" id="{95F684D8-572C-8CFF-3721-66917165DAA9}"/>
-                </a:ext>
-              </a:extLst>
-            </p:cNvPr>
-            <p:cNvSpPr txBox="1"/>
-            <p:nvPr/>
-          </p:nvSpPr>
-          <p:spPr>
-            <a:xfrm>
-              <a:off x="5626869" y="2903543"/>
-              <a:ext cx="646331" cy="276999"/>
-            </a:xfrm>
-            <a:prstGeom prst="rect">
-              <a:avLst/>
-            </a:prstGeom>
-            <a:noFill/>
-          </p:spPr>
-          <p:txBody>
-            <a:bodyPr wrap="none" rtlCol="0">
-              <a:spAutoFit/>
-            </a:bodyPr>
-            <a:lstStyle/>
-            <a:p>
-              <a:r>
-                <a:rPr lang="ko-KR" altLang="en-US" sz="1200" b="1" dirty="0" err="1"/>
-                <a:t>아니오</a:t>
-              </a:r>
-              <a:endParaRPr lang="ko-KR" altLang="en-US" sz="1200" b="1" dirty="0"/>
-            </a:p>
-          </p:txBody>
-        </p:sp>
-        <p:sp>
-          <p:nvSpPr>
-            <p:cNvPr id="10" name="TextBox 9">
-              <a:extLst>
-                <a:ext uri="{FF2B5EF4-FFF2-40B4-BE49-F238E27FC236}">
-                  <a16:creationId xmlns:a16="http://schemas.microsoft.com/office/drawing/2014/main" id="{12FC5E2C-71D5-B0EB-8B65-0B489C38A853}"/>
-                </a:ext>
-              </a:extLst>
-            </p:cNvPr>
-            <p:cNvSpPr txBox="1"/>
-            <p:nvPr/>
-          </p:nvSpPr>
-          <p:spPr>
-            <a:xfrm>
-              <a:off x="4364127" y="2903542"/>
-              <a:ext cx="646331" cy="276999"/>
-            </a:xfrm>
-            <a:prstGeom prst="rect">
-              <a:avLst/>
-            </a:prstGeom>
-            <a:noFill/>
-          </p:spPr>
-          <p:txBody>
-            <a:bodyPr wrap="none" rtlCol="0">
-              <a:spAutoFit/>
-            </a:bodyPr>
-            <a:lstStyle/>
-            <a:p>
-              <a:r>
-                <a:rPr lang="ko-KR" altLang="en-US" sz="1200" b="1" dirty="0" err="1"/>
-                <a:t>아니오</a:t>
-              </a:r>
-              <a:endParaRPr lang="ko-KR" altLang="en-US" sz="1200" b="1" dirty="0"/>
-            </a:p>
-          </p:txBody>
-        </p:sp>
-        <p:sp>
-          <p:nvSpPr>
-            <p:cNvPr id="11" name="TextBox 10">
-              <a:extLst>
-                <a:ext uri="{FF2B5EF4-FFF2-40B4-BE49-F238E27FC236}">
-                  <a16:creationId xmlns:a16="http://schemas.microsoft.com/office/drawing/2014/main" id="{BA27C58F-F6D5-2CF7-73FC-ACF6AB6187BB}"/>
-                </a:ext>
-              </a:extLst>
-            </p:cNvPr>
-            <p:cNvSpPr txBox="1"/>
-            <p:nvPr/>
-          </p:nvSpPr>
-          <p:spPr>
-            <a:xfrm>
-              <a:off x="3060426" y="3152001"/>
-              <a:ext cx="646331" cy="276999"/>
-            </a:xfrm>
-            <a:prstGeom prst="rect">
-              <a:avLst/>
-            </a:prstGeom>
-            <a:noFill/>
-          </p:spPr>
-          <p:txBody>
-            <a:bodyPr wrap="none" rtlCol="0">
-              <a:spAutoFit/>
-            </a:bodyPr>
-            <a:lstStyle/>
-            <a:p>
-              <a:r>
-                <a:rPr lang="ko-KR" altLang="en-US" sz="1200" b="1" dirty="0" err="1"/>
-                <a:t>아니오</a:t>
-              </a:r>
-              <a:endParaRPr lang="ko-KR" altLang="en-US" sz="1200" b="1" dirty="0"/>
-            </a:p>
-          </p:txBody>
-        </p:sp>
-        <p:sp>
-          <p:nvSpPr>
-            <p:cNvPr id="12" name="TextBox 11">
-              <a:extLst>
-                <a:ext uri="{FF2B5EF4-FFF2-40B4-BE49-F238E27FC236}">
-                  <a16:creationId xmlns:a16="http://schemas.microsoft.com/office/drawing/2014/main" id="{751F7419-B470-1F7B-5AA0-34F223E47DCD}"/>
-                </a:ext>
-              </a:extLst>
-            </p:cNvPr>
-            <p:cNvSpPr txBox="1"/>
-            <p:nvPr/>
-          </p:nvSpPr>
-          <p:spPr>
-            <a:xfrm>
-              <a:off x="3060426" y="3405527"/>
-              <a:ext cx="646331" cy="276999"/>
-            </a:xfrm>
-            <a:prstGeom prst="rect">
-              <a:avLst/>
-            </a:prstGeom>
-            <a:noFill/>
-          </p:spPr>
-          <p:txBody>
-            <a:bodyPr wrap="none" rtlCol="0">
-              <a:spAutoFit/>
-            </a:bodyPr>
-            <a:lstStyle/>
-            <a:p>
-              <a:r>
-                <a:rPr lang="ko-KR" altLang="en-US" sz="1200" b="1" dirty="0" err="1"/>
-                <a:t>아니오</a:t>
-              </a:r>
-              <a:endParaRPr lang="ko-KR" altLang="en-US" sz="1200" b="1" dirty="0"/>
-            </a:p>
-          </p:txBody>
-        </p:sp>
-        <p:sp>
-          <p:nvSpPr>
-            <p:cNvPr id="13" name="TextBox 12">
-              <a:extLst>
-                <a:ext uri="{FF2B5EF4-FFF2-40B4-BE49-F238E27FC236}">
-                  <a16:creationId xmlns:a16="http://schemas.microsoft.com/office/drawing/2014/main" id="{F17C24F9-24F4-2C57-033D-E648BD908029}"/>
-                </a:ext>
-              </a:extLst>
-            </p:cNvPr>
-            <p:cNvSpPr txBox="1"/>
-            <p:nvPr/>
-          </p:nvSpPr>
-          <p:spPr>
-            <a:xfrm>
-              <a:off x="4364127" y="3128528"/>
-              <a:ext cx="646331" cy="276999"/>
-            </a:xfrm>
-            <a:prstGeom prst="rect">
-              <a:avLst/>
-            </a:prstGeom>
-            <a:noFill/>
-          </p:spPr>
-          <p:txBody>
-            <a:bodyPr wrap="none" rtlCol="0">
-              <a:spAutoFit/>
-            </a:bodyPr>
-            <a:lstStyle/>
-            <a:p>
-              <a:r>
-                <a:rPr lang="ko-KR" altLang="en-US" sz="1200" b="1" dirty="0" err="1"/>
-                <a:t>아니오</a:t>
-              </a:r>
-              <a:endParaRPr lang="ko-KR" altLang="en-US" sz="1200" b="1" dirty="0"/>
-            </a:p>
-          </p:txBody>
-        </p:sp>
-        <p:sp>
-          <p:nvSpPr>
-            <p:cNvPr id="14" name="TextBox 13">
-              <a:extLst>
-                <a:ext uri="{FF2B5EF4-FFF2-40B4-BE49-F238E27FC236}">
-                  <a16:creationId xmlns:a16="http://schemas.microsoft.com/office/drawing/2014/main" id="{1FA6143A-DC98-036B-E523-4530BB1A7778}"/>
-                </a:ext>
-              </a:extLst>
-            </p:cNvPr>
-            <p:cNvSpPr txBox="1"/>
-            <p:nvPr/>
-          </p:nvSpPr>
-          <p:spPr>
-            <a:xfrm>
-              <a:off x="5626868" y="3180541"/>
-              <a:ext cx="646331" cy="276999"/>
-            </a:xfrm>
-            <a:prstGeom prst="rect">
-              <a:avLst/>
-            </a:prstGeom>
-            <a:noFill/>
-          </p:spPr>
-          <p:txBody>
-            <a:bodyPr wrap="none" rtlCol="0">
-              <a:spAutoFit/>
-            </a:bodyPr>
-            <a:lstStyle/>
-            <a:p>
-              <a:r>
-                <a:rPr lang="ko-KR" altLang="en-US" sz="1200" b="1" dirty="0" err="1"/>
-                <a:t>아니오</a:t>
-              </a:r>
-              <a:endParaRPr lang="ko-KR" altLang="en-US" sz="1200" b="1" dirty="0"/>
-            </a:p>
-          </p:txBody>
-        </p:sp>
-        <p:sp>
-          <p:nvSpPr>
-            <p:cNvPr id="15" name="TextBox 14">
-              <a:extLst>
-                <a:ext uri="{FF2B5EF4-FFF2-40B4-BE49-F238E27FC236}">
-                  <a16:creationId xmlns:a16="http://schemas.microsoft.com/office/drawing/2014/main" id="{AA6349F0-E81F-8988-E919-BE99AE6B9F1A}"/>
-                </a:ext>
-              </a:extLst>
-            </p:cNvPr>
-            <p:cNvSpPr txBox="1"/>
-            <p:nvPr/>
-          </p:nvSpPr>
-          <p:spPr>
-            <a:xfrm>
-              <a:off x="5638977" y="3405526"/>
-              <a:ext cx="646331" cy="276999"/>
-            </a:xfrm>
-            <a:prstGeom prst="rect">
-              <a:avLst/>
-            </a:prstGeom>
-            <a:noFill/>
-          </p:spPr>
-          <p:txBody>
-            <a:bodyPr wrap="none" rtlCol="0">
-              <a:spAutoFit/>
-            </a:bodyPr>
-            <a:lstStyle/>
-            <a:p>
-              <a:r>
-                <a:rPr lang="ko-KR" altLang="en-US" sz="1200" b="1" dirty="0" err="1"/>
-                <a:t>아니오</a:t>
-              </a:r>
-              <a:endParaRPr lang="ko-KR" altLang="en-US" sz="1200" b="1" dirty="0"/>
-            </a:p>
-          </p:txBody>
-        </p:sp>
-      </p:grpSp>
-    </p:spTree>
-    <p:extLst>
-      <p:ext uri="{BB962C8B-B14F-4D97-AF65-F5344CB8AC3E}">
-        <p14:creationId xmlns:p14="http://schemas.microsoft.com/office/powerpoint/2010/main" val="3973346438"/>
-      </p:ext>
-    </p:extLst>
-  </p:cSld>
-  <p:clrMapOvr>
-    <a:masterClrMapping/>
-  </p:clrMapOvr>
-</p:sld>
-</file>
-
-<file path=ppt/slides/slide13.xml><?xml version="1.0" encoding="utf-8"?>
-<p:sld xmlns:a="http://schemas.openxmlformats.org/drawingml/2006/main" xmlns:r="http://schemas.openxmlformats.org/officeDocument/2006/relationships" xmlns:p="http://schemas.openxmlformats.org/presentationml/2006/main">
-  <p:cSld>
-    <p:spTree>
-      <p:nvGrpSpPr>
-        <p:cNvPr id="1" name=""/>
-        <p:cNvGrpSpPr/>
-        <p:nvPr/>
-      </p:nvGrpSpPr>
-      <p:grpSpPr>
-        <a:xfrm>
-          <a:off x="0" y="0"/>
-          <a:ext cx="0" cy="0"/>
-          <a:chOff x="0" y="0"/>
-          <a:chExt cx="0" cy="0"/>
-        </a:xfrm>
-      </p:grpSpPr>
-      <p:sp>
-        <p:nvSpPr>
-          <p:cNvPr id="2" name="제목 1">
-            <a:extLst>
-              <a:ext uri="{FF2B5EF4-FFF2-40B4-BE49-F238E27FC236}">
-                <a16:creationId xmlns:a16="http://schemas.microsoft.com/office/drawing/2014/main" id="{52E502FA-0621-05B7-7D8B-A766917B17B9}"/>
-              </a:ext>
-            </a:extLst>
-          </p:cNvPr>
-          <p:cNvSpPr>
-            <a:spLocks noGrp="1"/>
-          </p:cNvSpPr>
-          <p:nvPr>
-            <p:ph type="title"/>
-          </p:nvPr>
-        </p:nvSpPr>
-        <p:spPr/>
-        <p:txBody>
-          <a:bodyPr/>
-          <a:lstStyle/>
-          <a:p>
-            <a:endParaRPr lang="ko-KR" altLang="en-US"/>
-          </a:p>
-        </p:txBody>
-      </p:sp>
       <p:pic>
         <p:nvPicPr>
-          <p:cNvPr id="4" name="그림 3">
-            <a:extLst>
-              <a:ext uri="{FF2B5EF4-FFF2-40B4-BE49-F238E27FC236}">
-                <a16:creationId xmlns:a16="http://schemas.microsoft.com/office/drawing/2014/main" id="{DEF8A9E5-5291-B986-2A22-3DFBC218317E}"/>
+          <p:cNvPr id="8" name="그림 7" descr="텍스트, 도표, 평행, 흑백이(가) 표시된 사진&#10;&#10;AI 생성 콘텐츠는 정확하지 않을 수 있습니다.">
+            <a:extLst>
+              <a:ext uri="{FF2B5EF4-FFF2-40B4-BE49-F238E27FC236}">
+                <a16:creationId xmlns:a16="http://schemas.microsoft.com/office/drawing/2014/main" id="{07F3EAF4-FF25-7BFC-D426-E3B0882E9BCE}"/>
               </a:ext>
             </a:extLst>
           </p:cNvPr>
@@ -5434,71 +4223,18 @@
         </p:blipFill>
         <p:spPr>
           <a:xfrm>
-            <a:off x="641221" y="1828800"/>
-            <a:ext cx="8605447" cy="3540012"/>
+            <a:off x="838200" y="1764083"/>
+            <a:ext cx="7785100" cy="5005017"/>
           </a:xfrm>
           <a:prstGeom prst="rect">
             <a:avLst/>
           </a:prstGeom>
         </p:spPr>
       </p:pic>
-      <p:sp>
-        <p:nvSpPr>
-          <p:cNvPr id="5" name="직사각형 4">
-            <a:extLst>
-              <a:ext uri="{FF2B5EF4-FFF2-40B4-BE49-F238E27FC236}">
-                <a16:creationId xmlns:a16="http://schemas.microsoft.com/office/drawing/2014/main" id="{ABAEB834-88DF-D779-E621-5C9B06534390}"/>
-              </a:ext>
-            </a:extLst>
-          </p:cNvPr>
-          <p:cNvSpPr/>
-          <p:nvPr/>
-        </p:nvSpPr>
-        <p:spPr>
-          <a:xfrm>
-            <a:off x="702491" y="2483166"/>
-            <a:ext cx="4716379" cy="413886"/>
-          </a:xfrm>
-          <a:prstGeom prst="rect">
-            <a:avLst/>
-          </a:prstGeom>
-          <a:noFill/>
-          <a:ln>
-            <a:solidFill>
-              <a:srgbClr val="FFFF00"/>
-            </a:solidFill>
-            <a:prstDash val="sysDash"/>
-          </a:ln>
-        </p:spPr>
-        <p:style>
-          <a:lnRef idx="2">
-            <a:schemeClr val="accent1">
-              <a:shade val="15000"/>
-            </a:schemeClr>
-          </a:lnRef>
-          <a:fillRef idx="1">
-            <a:schemeClr val="accent1"/>
-          </a:fillRef>
-          <a:effectRef idx="0">
-            <a:schemeClr val="accent1"/>
-          </a:effectRef>
-          <a:fontRef idx="minor">
-            <a:schemeClr val="lt1"/>
-          </a:fontRef>
-        </p:style>
-        <p:txBody>
-          <a:bodyPr rtlCol="0" anchor="ctr"/>
-          <a:lstStyle/>
-          <a:p>
-            <a:pPr algn="ctr"/>
-            <a:endParaRPr lang="ko-KR" altLang="en-US"/>
-          </a:p>
-        </p:txBody>
-      </p:sp>
     </p:spTree>
     <p:extLst>
       <p:ext uri="{BB962C8B-B14F-4D97-AF65-F5344CB8AC3E}">
-        <p14:creationId xmlns:p14="http://schemas.microsoft.com/office/powerpoint/2010/main" val="1429976256"/>
+        <p14:creationId xmlns:p14="http://schemas.microsoft.com/office/powerpoint/2010/main" val="432715998"/>
       </p:ext>
     </p:extLst>
   </p:cSld>
@@ -8680,7 +7416,7 @@
           <a:p>
             <a:r>
               <a:rPr lang="en-US" altLang="ko-KR" dirty="0" err="1"/>
-              <a:t>SkeletonInfo</a:t>
+              <a:t>SkeletonResource</a:t>
             </a:r>
             <a:endParaRPr lang="ko-KR" altLang="en-US" dirty="0"/>
           </a:p>
@@ -8857,10 +7593,10 @@
       </p:sp>
       <p:pic>
         <p:nvPicPr>
-          <p:cNvPr id="8" name="그림 7">
-            <a:extLst>
-              <a:ext uri="{FF2B5EF4-FFF2-40B4-BE49-F238E27FC236}">
-                <a16:creationId xmlns:a16="http://schemas.microsoft.com/office/drawing/2014/main" id="{54EF730A-C84F-437F-9E0E-5EFD160B173D}"/>
+          <p:cNvPr id="11" name="그림 10" descr="텍스트, 스크린샷, 디스플레이, 폰트이(가) 표시된 사진&#10;&#10;AI 생성 콘텐츠는 정확하지 않을 수 있습니다.">
+            <a:extLst>
+              <a:ext uri="{FF2B5EF4-FFF2-40B4-BE49-F238E27FC236}">
+                <a16:creationId xmlns:a16="http://schemas.microsoft.com/office/drawing/2014/main" id="{C198790D-1D91-BD81-3AEA-AE5186AFB13B}"/>
               </a:ext>
             </a:extLst>
           </p:cNvPr>
@@ -8870,20 +7606,15 @@
           <p:nvPr/>
         </p:nvPicPr>
         <p:blipFill>
-          <a:blip r:embed="rId2">
-            <a:extLst>
-              <a:ext uri="{28A0092B-C50C-407E-A947-70E740481C1C}">
-                <a14:useLocalDpi xmlns:a14="http://schemas.microsoft.com/office/drawing/2010/main" val="0"/>
-              </a:ext>
-            </a:extLst>
-          </a:blip>
-          <a:srcRect/>
-          <a:stretch/>
+          <a:blip r:embed="rId2"/>
+          <a:stretch>
+            <a:fillRect/>
+          </a:stretch>
         </p:blipFill>
         <p:spPr>
           <a:xfrm>
-            <a:off x="273895" y="3239741"/>
-            <a:ext cx="5434427" cy="1755654"/>
+            <a:off x="352768" y="3173174"/>
+            <a:ext cx="4565044" cy="1815543"/>
           </a:xfrm>
           <a:prstGeom prst="rect">
             <a:avLst/>
@@ -8892,10 +7623,10 @@
       </p:pic>
       <p:pic>
         <p:nvPicPr>
-          <p:cNvPr id="9" name="그림 8">
-            <a:extLst>
-              <a:ext uri="{FF2B5EF4-FFF2-40B4-BE49-F238E27FC236}">
-                <a16:creationId xmlns:a16="http://schemas.microsoft.com/office/drawing/2014/main" id="{BBDB1B39-33C7-D758-A47E-6CD0B57766EA}"/>
+          <p:cNvPr id="13" name="그림 12" descr="텍스트, 스크린샷, 폰트이(가) 표시된 사진&#10;&#10;AI 생성 콘텐츠는 정확하지 않을 수 있습니다.">
+            <a:extLst>
+              <a:ext uri="{FF2B5EF4-FFF2-40B4-BE49-F238E27FC236}">
+                <a16:creationId xmlns:a16="http://schemas.microsoft.com/office/drawing/2014/main" id="{F2150835-F8AA-1EBB-1198-EFC327CA0976}"/>
               </a:ext>
             </a:extLst>
           </p:cNvPr>
@@ -8912,102 +7643,14 @@
         </p:blipFill>
         <p:spPr>
           <a:xfrm>
-            <a:off x="5905381" y="3239741"/>
-            <a:ext cx="5120626" cy="3408099"/>
+            <a:off x="5767831" y="3173174"/>
+            <a:ext cx="5785085" cy="3581804"/>
           </a:xfrm>
           <a:prstGeom prst="rect">
             <a:avLst/>
           </a:prstGeom>
         </p:spPr>
       </p:pic>
-      <p:sp>
-        <p:nvSpPr>
-          <p:cNvPr id="4" name="TextBox 3">
-            <a:extLst>
-              <a:ext uri="{FF2B5EF4-FFF2-40B4-BE49-F238E27FC236}">
-                <a16:creationId xmlns:a16="http://schemas.microsoft.com/office/drawing/2014/main" id="{51D03122-FD81-B1C8-0AD8-6A9279080A81}"/>
-              </a:ext>
-            </a:extLst>
-          </p:cNvPr>
-          <p:cNvSpPr txBox="1"/>
-          <p:nvPr/>
-        </p:nvSpPr>
-        <p:spPr>
-          <a:xfrm>
-            <a:off x="566530" y="5102722"/>
-            <a:ext cx="3700670" cy="276999"/>
-          </a:xfrm>
-          <a:prstGeom prst="rect">
-            <a:avLst/>
-          </a:prstGeom>
-          <a:noFill/>
-        </p:spPr>
-        <p:txBody>
-          <a:bodyPr wrap="square" rtlCol="0">
-            <a:spAutoFit/>
-          </a:bodyPr>
-          <a:lstStyle/>
-          <a:p>
-            <a:r>
-              <a:rPr lang="en-US" altLang="ko-KR" sz="1200" dirty="0" err="1"/>
-              <a:t>OffsetMatrix</a:t>
-            </a:r>
-            <a:r>
-              <a:rPr lang="ko-KR" altLang="en-US" sz="1200" dirty="0"/>
-              <a:t>는 </a:t>
-            </a:r>
-            <a:r>
-              <a:rPr lang="en-US" altLang="ko-KR" sz="1200" dirty="0"/>
-              <a:t>GPU </a:t>
-            </a:r>
-            <a:r>
-              <a:rPr lang="ko-KR" altLang="en-US" sz="1200" dirty="0"/>
-              <a:t>에 전달하기 쉽게 배열로 보관</a:t>
-            </a:r>
-          </a:p>
-        </p:txBody>
-      </p:sp>
-      <p:cxnSp>
-        <p:nvCxnSpPr>
-          <p:cNvPr id="10" name="직선 화살표 연결선 9">
-            <a:extLst>
-              <a:ext uri="{FF2B5EF4-FFF2-40B4-BE49-F238E27FC236}">
-                <a16:creationId xmlns:a16="http://schemas.microsoft.com/office/drawing/2014/main" id="{B9E596FE-6E31-9C76-AE6D-5DE9EDEFF709}"/>
-              </a:ext>
-            </a:extLst>
-          </p:cNvPr>
-          <p:cNvCxnSpPr>
-            <a:stCxn id="4" idx="3"/>
-          </p:cNvCxnSpPr>
-          <p:nvPr/>
-        </p:nvCxnSpPr>
-        <p:spPr>
-          <a:xfrm flipV="1">
-            <a:off x="4267200" y="4293704"/>
-            <a:ext cx="1888435" cy="947518"/>
-          </a:xfrm>
-          <a:prstGeom prst="straightConnector1">
-            <a:avLst/>
-          </a:prstGeom>
-          <a:ln>
-            <a:tailEnd type="triangle"/>
-          </a:ln>
-        </p:spPr>
-        <p:style>
-          <a:lnRef idx="1">
-            <a:schemeClr val="accent1"/>
-          </a:lnRef>
-          <a:fillRef idx="0">
-            <a:schemeClr val="accent1"/>
-          </a:fillRef>
-          <a:effectRef idx="0">
-            <a:schemeClr val="accent1"/>
-          </a:effectRef>
-          <a:fontRef idx="minor">
-            <a:schemeClr val="tx1"/>
-          </a:fontRef>
-        </p:style>
-      </p:cxnSp>
     </p:spTree>
     <p:extLst>
       <p:ext uri="{BB962C8B-B14F-4D97-AF65-F5344CB8AC3E}">
@@ -9852,6 +8495,66 @@
           <a:chExt cx="0" cy="0"/>
         </a:xfrm>
       </p:grpSpPr>
+      <p:pic>
+        <p:nvPicPr>
+          <p:cNvPr id="34" name="그림 33" descr="텍스트, 스크린샷, 흑백, 라인이(가) 표시된 사진&#10;&#10;AI 생성 콘텐츠는 정확하지 않을 수 있습니다.">
+            <a:extLst>
+              <a:ext uri="{FF2B5EF4-FFF2-40B4-BE49-F238E27FC236}">
+                <a16:creationId xmlns:a16="http://schemas.microsoft.com/office/drawing/2014/main" id="{3EF85CA7-F6B6-07DF-A1DC-8C39ECDB00E5}"/>
+              </a:ext>
+            </a:extLst>
+          </p:cNvPr>
+          <p:cNvPicPr>
+            <a:picLocks noChangeAspect="1"/>
+          </p:cNvPicPr>
+          <p:nvPr/>
+        </p:nvPicPr>
+        <p:blipFill>
+          <a:blip r:embed="rId2"/>
+          <a:stretch>
+            <a:fillRect/>
+          </a:stretch>
+        </p:blipFill>
+        <p:spPr>
+          <a:xfrm>
+            <a:off x="2572240" y="3475019"/>
+            <a:ext cx="2539695" cy="3151852"/>
+          </a:xfrm>
+          <a:prstGeom prst="rect">
+            <a:avLst/>
+          </a:prstGeom>
+        </p:spPr>
+      </p:pic>
+      <p:pic>
+        <p:nvPicPr>
+          <p:cNvPr id="43" name="그림 42" descr="텍스트, 스크린샷, 폰트, 라인이(가) 표시된 사진&#10;&#10;AI 생성 콘텐츠는 정확하지 않을 수 있습니다.">
+            <a:extLst>
+              <a:ext uri="{FF2B5EF4-FFF2-40B4-BE49-F238E27FC236}">
+                <a16:creationId xmlns:a16="http://schemas.microsoft.com/office/drawing/2014/main" id="{FEE6873F-56AA-47B6-CBF9-E0D2199E43EE}"/>
+              </a:ext>
+            </a:extLst>
+          </p:cNvPr>
+          <p:cNvPicPr>
+            <a:picLocks noChangeAspect="1"/>
+          </p:cNvPicPr>
+          <p:nvPr/>
+        </p:nvPicPr>
+        <p:blipFill>
+          <a:blip r:embed="rId3"/>
+          <a:stretch>
+            <a:fillRect/>
+          </a:stretch>
+        </p:blipFill>
+        <p:spPr>
+          <a:xfrm>
+            <a:off x="6075412" y="5489757"/>
+            <a:ext cx="3991505" cy="1165440"/>
+          </a:xfrm>
+          <a:prstGeom prst="rect">
+            <a:avLst/>
+          </a:prstGeom>
+        </p:spPr>
+      </p:pic>
       <p:sp>
         <p:nvSpPr>
           <p:cNvPr id="2" name="제목 1">
@@ -9941,7 +8644,7 @@
               <p:nvPr/>
             </p:nvPicPr>
             <p:blipFill>
-              <a:blip r:embed="rId2"/>
+              <a:blip r:embed="rId4"/>
               <a:stretch>
                 <a:fillRect/>
               </a:stretch>
@@ -10507,41 +9210,6 @@
           </p:txBody>
         </p:sp>
       </p:grpSp>
-      <p:pic>
-        <p:nvPicPr>
-          <p:cNvPr id="16" name="그림 15">
-            <a:extLst>
-              <a:ext uri="{FF2B5EF4-FFF2-40B4-BE49-F238E27FC236}">
-                <a16:creationId xmlns:a16="http://schemas.microsoft.com/office/drawing/2014/main" id="{657046F5-8D96-4491-B089-CF709F172922}"/>
-              </a:ext>
-            </a:extLst>
-          </p:cNvPr>
-          <p:cNvPicPr>
-            <a:picLocks noChangeAspect="1"/>
-          </p:cNvPicPr>
-          <p:nvPr/>
-        </p:nvPicPr>
-        <p:blipFill>
-          <a:blip r:embed="rId3">
-            <a:extLst>
-              <a:ext uri="{28A0092B-C50C-407E-A947-70E740481C1C}">
-                <a14:useLocalDpi xmlns:a14="http://schemas.microsoft.com/office/drawing/2010/main" val="0"/>
-              </a:ext>
-            </a:extLst>
-          </a:blip>
-          <a:srcRect/>
-          <a:stretch/>
-        </p:blipFill>
-        <p:spPr>
-          <a:xfrm>
-            <a:off x="8063313" y="4262459"/>
-            <a:ext cx="3309630" cy="1808286"/>
-          </a:xfrm>
-          <a:prstGeom prst="rect">
-            <a:avLst/>
-          </a:prstGeom>
-        </p:spPr>
-      </p:pic>
       <p:cxnSp>
         <p:nvCxnSpPr>
           <p:cNvPr id="18" name="직선 화살표 연결선 17">
@@ -10557,9 +9225,9 @@
           <p:nvPr/>
         </p:nvCxnSpPr>
         <p:spPr>
-          <a:xfrm>
-            <a:off x="5009322" y="4764157"/>
-            <a:ext cx="2822713" cy="0"/>
+          <a:xfrm flipH="1" flipV="1">
+            <a:off x="7664450" y="5200285"/>
+            <a:ext cx="1755321" cy="1114575"/>
           </a:xfrm>
           <a:prstGeom prst="straightConnector1">
             <a:avLst/>
@@ -10597,7 +9265,7 @@
         </p:nvSpPr>
         <p:spPr>
           <a:xfrm>
-            <a:off x="8063313" y="3867659"/>
+            <a:off x="7291448" y="3373786"/>
             <a:ext cx="3122971" cy="369332"/>
           </a:xfrm>
           <a:prstGeom prst="rect">
@@ -10831,7 +9499,7 @@
             </a:r>
             <a:r>
               <a:rPr lang="en-US" altLang="ko-KR" dirty="0"/>
-              <a:t>. </a:t>
+              <a:t>.  </a:t>
             </a:r>
           </a:p>
         </p:txBody>
@@ -10850,7 +9518,7 @@
         </p:nvSpPr>
         <p:spPr>
           <a:xfrm>
-            <a:off x="3304896" y="2884276"/>
+            <a:off x="2913363" y="2832675"/>
             <a:ext cx="6633547" cy="523220"/>
           </a:xfrm>
           <a:prstGeom prst="rect">
@@ -10885,7 +9553,15 @@
           <a:p>
             <a:r>
               <a:rPr lang="en-US" altLang="ko-KR" sz="1400" dirty="0"/>
-              <a:t>System RAM -&gt; Video RAM </a:t>
+              <a:t>Offset * Pose </a:t>
+            </a:r>
+            <a:r>
+              <a:rPr lang="ko-KR" altLang="en-US" sz="1400" dirty="0"/>
+              <a:t>미리 곱하여  </a:t>
+            </a:r>
+            <a:r>
+              <a:rPr lang="en-US" altLang="ko-KR" sz="1400" dirty="0"/>
+              <a:t> System RAM -&gt; Video RAM </a:t>
             </a:r>
             <a:r>
               <a:rPr lang="ko-KR" altLang="en-US" sz="1400" dirty="0"/>
@@ -10894,80 +9570,6 @@
           </a:p>
         </p:txBody>
       </p:sp>
-      <p:pic>
-        <p:nvPicPr>
-          <p:cNvPr id="20" name="그림 19">
-            <a:extLst>
-              <a:ext uri="{FF2B5EF4-FFF2-40B4-BE49-F238E27FC236}">
-                <a16:creationId xmlns:a16="http://schemas.microsoft.com/office/drawing/2014/main" id="{91EC9B2A-DFDE-0448-8554-A995A1ACE28F}"/>
-              </a:ext>
-            </a:extLst>
-          </p:cNvPr>
-          <p:cNvPicPr>
-            <a:picLocks noChangeAspect="1"/>
-          </p:cNvPicPr>
-          <p:nvPr/>
-        </p:nvPicPr>
-        <p:blipFill>
-          <a:blip r:embed="rId4">
-            <a:extLst>
-              <a:ext uri="{28A0092B-C50C-407E-A947-70E740481C1C}">
-                <a14:useLocalDpi xmlns:a14="http://schemas.microsoft.com/office/drawing/2010/main" val="0"/>
-              </a:ext>
-            </a:extLst>
-          </a:blip>
-          <a:srcRect l="549" t="29194" r="76390" b="26260"/>
-          <a:stretch>
-            <a:fillRect/>
-          </a:stretch>
-        </p:blipFill>
-        <p:spPr>
-          <a:xfrm>
-            <a:off x="3048482" y="3370057"/>
-            <a:ext cx="2108219" cy="2187906"/>
-          </a:xfrm>
-          <a:prstGeom prst="rect">
-            <a:avLst/>
-          </a:prstGeom>
-        </p:spPr>
-      </p:pic>
-      <p:pic>
-        <p:nvPicPr>
-          <p:cNvPr id="26" name="그림 25">
-            <a:extLst>
-              <a:ext uri="{FF2B5EF4-FFF2-40B4-BE49-F238E27FC236}">
-                <a16:creationId xmlns:a16="http://schemas.microsoft.com/office/drawing/2014/main" id="{148FD964-F3AB-6C2D-7733-CC63533120E7}"/>
-              </a:ext>
-            </a:extLst>
-          </p:cNvPr>
-          <p:cNvPicPr>
-            <a:picLocks noChangeAspect="1"/>
-          </p:cNvPicPr>
-          <p:nvPr/>
-        </p:nvPicPr>
-        <p:blipFill>
-          <a:blip r:embed="rId4">
-            <a:extLst>
-              <a:ext uri="{28A0092B-C50C-407E-A947-70E740481C1C}">
-                <a14:useLocalDpi xmlns:a14="http://schemas.microsoft.com/office/drawing/2010/main" val="0"/>
-              </a:ext>
-            </a:extLst>
-          </a:blip>
-          <a:srcRect l="54855" t="17066" r="16467" b="58496"/>
-          <a:stretch>
-            <a:fillRect/>
-          </a:stretch>
-        </p:blipFill>
-        <p:spPr>
-          <a:xfrm>
-            <a:off x="3048482" y="5557963"/>
-            <a:ext cx="2621723" cy="1200328"/>
-          </a:xfrm>
-          <a:prstGeom prst="rect">
-            <a:avLst/>
-          </a:prstGeom>
-        </p:spPr>
-      </p:pic>
       <p:cxnSp>
         <p:nvCxnSpPr>
           <p:cNvPr id="29" name="직선 화살표 연결선 28">
@@ -10984,8 +9586,8 @@
         </p:nvCxnSpPr>
         <p:spPr>
           <a:xfrm flipV="1">
-            <a:off x="5210312" y="5473148"/>
-            <a:ext cx="2621723" cy="800409"/>
+            <a:off x="5123442" y="5200285"/>
+            <a:ext cx="3205020" cy="925310"/>
           </a:xfrm>
           <a:prstGeom prst="straightConnector1">
             <a:avLst/>
@@ -11009,6 +9611,72 @@
           </a:fontRef>
         </p:style>
       </p:cxnSp>
+      <p:pic>
+        <p:nvPicPr>
+          <p:cNvPr id="23" name="그림 22" descr="텍스트, 스크린샷, 폰트이(가) 표시된 사진&#10;&#10;AI 생성 콘텐츠는 정확하지 않을 수 있습니다.">
+            <a:extLst>
+              <a:ext uri="{FF2B5EF4-FFF2-40B4-BE49-F238E27FC236}">
+                <a16:creationId xmlns:a16="http://schemas.microsoft.com/office/drawing/2014/main" id="{D700F658-5310-4254-70FD-DB5E57F81D65}"/>
+              </a:ext>
+            </a:extLst>
+          </p:cNvPr>
+          <p:cNvPicPr>
+            <a:picLocks noChangeAspect="1"/>
+          </p:cNvPicPr>
+          <p:nvPr/>
+        </p:nvPicPr>
+        <p:blipFill>
+          <a:blip r:embed="rId5"/>
+          <a:stretch>
+            <a:fillRect/>
+          </a:stretch>
+        </p:blipFill>
+        <p:spPr>
+          <a:xfrm>
+            <a:off x="6277763" y="3751859"/>
+            <a:ext cx="4101399" cy="963452"/>
+          </a:xfrm>
+          <a:prstGeom prst="rect">
+            <a:avLst/>
+          </a:prstGeom>
+        </p:spPr>
+      </p:pic>
+      <p:sp>
+        <p:nvSpPr>
+          <p:cNvPr id="50" name="TextBox 49">
+            <a:extLst>
+              <a:ext uri="{FF2B5EF4-FFF2-40B4-BE49-F238E27FC236}">
+                <a16:creationId xmlns:a16="http://schemas.microsoft.com/office/drawing/2014/main" id="{E2F0373C-FEBD-C2CF-188A-5DAFF3EA89B9}"/>
+              </a:ext>
+            </a:extLst>
+          </p:cNvPr>
+          <p:cNvSpPr txBox="1"/>
+          <p:nvPr/>
+        </p:nvSpPr>
+        <p:spPr>
+          <a:xfrm>
+            <a:off x="7018917" y="4835217"/>
+            <a:ext cx="2906133" cy="369332"/>
+          </a:xfrm>
+          <a:prstGeom prst="rect">
+            <a:avLst/>
+          </a:prstGeom>
+          <a:noFill/>
+        </p:spPr>
+        <p:txBody>
+          <a:bodyPr wrap="square">
+            <a:spAutoFit/>
+          </a:bodyPr>
+          <a:lstStyle/>
+          <a:p>
+            <a:r>
+              <a:rPr lang="en-US" altLang="ko-KR" sz="1800" dirty="0"/>
+              <a:t>(Offset * Pose).Transpose()</a:t>
+            </a:r>
+            <a:endParaRPr lang="ko-KR" altLang="en-US" dirty="0"/>
+          </a:p>
+        </p:txBody>
+      </p:sp>
     </p:spTree>
     <p:extLst>
       <p:ext uri="{BB962C8B-B14F-4D97-AF65-F5344CB8AC3E}">
@@ -11196,41 +9864,6 @@
           </a:p>
         </p:txBody>
       </p:sp>
-      <p:pic>
-        <p:nvPicPr>
-          <p:cNvPr id="13" name="그림 12">
-            <a:extLst>
-              <a:ext uri="{FF2B5EF4-FFF2-40B4-BE49-F238E27FC236}">
-                <a16:creationId xmlns:a16="http://schemas.microsoft.com/office/drawing/2014/main" id="{57F90ECA-10A1-7D32-3954-AF74FD4CBE19}"/>
-              </a:ext>
-            </a:extLst>
-          </p:cNvPr>
-          <p:cNvPicPr>
-            <a:picLocks noChangeAspect="1"/>
-          </p:cNvPicPr>
-          <p:nvPr/>
-        </p:nvPicPr>
-        <p:blipFill>
-          <a:blip r:embed="rId3">
-            <a:extLst>
-              <a:ext uri="{28A0092B-C50C-407E-A947-70E740481C1C}">
-                <a14:useLocalDpi xmlns:a14="http://schemas.microsoft.com/office/drawing/2010/main" val="0"/>
-              </a:ext>
-            </a:extLst>
-          </a:blip>
-          <a:srcRect/>
-          <a:stretch/>
-        </p:blipFill>
-        <p:spPr>
-          <a:xfrm>
-            <a:off x="5912557" y="1459872"/>
-            <a:ext cx="6161607" cy="5313680"/>
-          </a:xfrm>
-          <a:prstGeom prst="rect">
-            <a:avLst/>
-          </a:prstGeom>
-        </p:spPr>
-      </p:pic>
       <p:grpSp>
         <p:nvGrpSpPr>
           <p:cNvPr id="20" name="그룹 19">
@@ -11694,10 +10327,40 @@
       </p:sp>
       <p:pic>
         <p:nvPicPr>
-          <p:cNvPr id="33" name="그림 32">
-            <a:extLst>
-              <a:ext uri="{FF2B5EF4-FFF2-40B4-BE49-F238E27FC236}">
-                <a16:creationId xmlns:a16="http://schemas.microsoft.com/office/drawing/2014/main" id="{2C61BE7A-3CEF-EC45-1DF5-82DB95E82D6E}"/>
+          <p:cNvPr id="4" name="그림 3" descr="텍스트, 스크린샷, 폰트이(가) 표시된 사진&#10;&#10;AI 생성 콘텐츠는 정확하지 않을 수 있습니다.">
+            <a:extLst>
+              <a:ext uri="{FF2B5EF4-FFF2-40B4-BE49-F238E27FC236}">
+                <a16:creationId xmlns:a16="http://schemas.microsoft.com/office/drawing/2014/main" id="{EBA488B5-6802-AFF7-68D5-4205FF89DF81}"/>
+              </a:ext>
+            </a:extLst>
+          </p:cNvPr>
+          <p:cNvPicPr>
+            <a:picLocks noChangeAspect="1"/>
+          </p:cNvPicPr>
+          <p:nvPr/>
+        </p:nvPicPr>
+        <p:blipFill>
+          <a:blip r:embed="rId3"/>
+          <a:stretch>
+            <a:fillRect/>
+          </a:stretch>
+        </p:blipFill>
+        <p:spPr>
+          <a:xfrm>
+            <a:off x="83178" y="3636964"/>
+            <a:ext cx="6666630" cy="2306636"/>
+          </a:xfrm>
+          <a:prstGeom prst="rect">
+            <a:avLst/>
+          </a:prstGeom>
+        </p:spPr>
+      </p:pic>
+      <p:pic>
+        <p:nvPicPr>
+          <p:cNvPr id="7" name="그림 6" descr="텍스트, 스크린샷, 디스플레이, 소프트웨어이(가) 표시된 사진&#10;&#10;AI 생성 콘텐츠는 정확하지 않을 수 있습니다.">
+            <a:extLst>
+              <a:ext uri="{FF2B5EF4-FFF2-40B4-BE49-F238E27FC236}">
+                <a16:creationId xmlns:a16="http://schemas.microsoft.com/office/drawing/2014/main" id="{E988453B-6021-DB4B-6D10-6BEF81338ACC}"/>
               </a:ext>
             </a:extLst>
           </p:cNvPr>
@@ -11714,8 +10377,8 @@
         </p:blipFill>
         <p:spPr>
           <a:xfrm>
-            <a:off x="223366" y="3761255"/>
-            <a:ext cx="3011976" cy="1765641"/>
+            <a:off x="6965998" y="1519336"/>
+            <a:ext cx="5226002" cy="4805680"/>
           </a:xfrm>
           <a:prstGeom prst="rect">
             <a:avLst/>
